--- a/annotated_figs/annotated_figs.pptx
+++ b/annotated_figs/annotated_figs.pptx
@@ -6,12 +6,12 @@
   </p:sldMasterIdLst>
   <p:sldIdLst>
     <p:sldId id="260" r:id="rId2"/>
-    <p:sldId id="262" r:id="rId3"/>
+    <p:sldId id="267" r:id="rId3"/>
     <p:sldId id="263" r:id="rId4"/>
     <p:sldId id="266" r:id="rId5"/>
-    <p:sldId id="261" r:id="rId6"/>
-    <p:sldId id="264" r:id="rId7"/>
-    <p:sldId id="267" r:id="rId8"/>
+    <p:sldId id="262" r:id="rId6"/>
+    <p:sldId id="261" r:id="rId7"/>
+    <p:sldId id="264" r:id="rId8"/>
   </p:sldIdLst>
   <p:sldSz cx="14630400" cy="6858000"/>
   <p:notesSz cx="6858000" cy="9144000"/>
@@ -249,7 +249,7 @@
           <a:p>
             <a:fld id="{A30B79EB-DE80-8248-9751-15BE5D404CE9}" type="datetimeFigureOut">
               <a:rPr lang="en-US" smtClean="0"/>
-              <a:t>7/15/24</a:t>
+              <a:t>9/10/24</a:t>
             </a:fld>
             <a:endParaRPr lang="en-US"/>
           </a:p>
@@ -419,7 +419,7 @@
           <a:p>
             <a:fld id="{A30B79EB-DE80-8248-9751-15BE5D404CE9}" type="datetimeFigureOut">
               <a:rPr lang="en-US" smtClean="0"/>
-              <a:t>7/15/24</a:t>
+              <a:t>9/10/24</a:t>
             </a:fld>
             <a:endParaRPr lang="en-US"/>
           </a:p>
@@ -599,7 +599,7 @@
           <a:p>
             <a:fld id="{A30B79EB-DE80-8248-9751-15BE5D404CE9}" type="datetimeFigureOut">
               <a:rPr lang="en-US" smtClean="0"/>
-              <a:t>7/15/24</a:t>
+              <a:t>9/10/24</a:t>
             </a:fld>
             <a:endParaRPr lang="en-US"/>
           </a:p>
@@ -769,7 +769,7 @@
           <a:p>
             <a:fld id="{A30B79EB-DE80-8248-9751-15BE5D404CE9}" type="datetimeFigureOut">
               <a:rPr lang="en-US" smtClean="0"/>
-              <a:t>7/15/24</a:t>
+              <a:t>9/10/24</a:t>
             </a:fld>
             <a:endParaRPr lang="en-US"/>
           </a:p>
@@ -1015,7 +1015,7 @@
           <a:p>
             <a:fld id="{A30B79EB-DE80-8248-9751-15BE5D404CE9}" type="datetimeFigureOut">
               <a:rPr lang="en-US" smtClean="0"/>
-              <a:t>7/15/24</a:t>
+              <a:t>9/10/24</a:t>
             </a:fld>
             <a:endParaRPr lang="en-US"/>
           </a:p>
@@ -1247,7 +1247,7 @@
           <a:p>
             <a:fld id="{A30B79EB-DE80-8248-9751-15BE5D404CE9}" type="datetimeFigureOut">
               <a:rPr lang="en-US" smtClean="0"/>
-              <a:t>7/15/24</a:t>
+              <a:t>9/10/24</a:t>
             </a:fld>
             <a:endParaRPr lang="en-US"/>
           </a:p>
@@ -1614,7 +1614,7 @@
           <a:p>
             <a:fld id="{A30B79EB-DE80-8248-9751-15BE5D404CE9}" type="datetimeFigureOut">
               <a:rPr lang="en-US" smtClean="0"/>
-              <a:t>7/15/24</a:t>
+              <a:t>9/10/24</a:t>
             </a:fld>
             <a:endParaRPr lang="en-US"/>
           </a:p>
@@ -1732,7 +1732,7 @@
           <a:p>
             <a:fld id="{A30B79EB-DE80-8248-9751-15BE5D404CE9}" type="datetimeFigureOut">
               <a:rPr lang="en-US" smtClean="0"/>
-              <a:t>7/15/24</a:t>
+              <a:t>9/10/24</a:t>
             </a:fld>
             <a:endParaRPr lang="en-US"/>
           </a:p>
@@ -1827,7 +1827,7 @@
           <a:p>
             <a:fld id="{A30B79EB-DE80-8248-9751-15BE5D404CE9}" type="datetimeFigureOut">
               <a:rPr lang="en-US" smtClean="0"/>
-              <a:t>7/15/24</a:t>
+              <a:t>9/10/24</a:t>
             </a:fld>
             <a:endParaRPr lang="en-US"/>
           </a:p>
@@ -2104,7 +2104,7 @@
           <a:p>
             <a:fld id="{A30B79EB-DE80-8248-9751-15BE5D404CE9}" type="datetimeFigureOut">
               <a:rPr lang="en-US" smtClean="0"/>
-              <a:t>7/15/24</a:t>
+              <a:t>9/10/24</a:t>
             </a:fld>
             <a:endParaRPr lang="en-US"/>
           </a:p>
@@ -2361,7 +2361,7 @@
           <a:p>
             <a:fld id="{A30B79EB-DE80-8248-9751-15BE5D404CE9}" type="datetimeFigureOut">
               <a:rPr lang="en-US" smtClean="0"/>
-              <a:t>7/15/24</a:t>
+              <a:t>9/10/24</a:t>
             </a:fld>
             <a:endParaRPr lang="en-US"/>
           </a:p>
@@ -2574,7 +2574,7 @@
           <a:p>
             <a:fld id="{A30B79EB-DE80-8248-9751-15BE5D404CE9}" type="datetimeFigureOut">
               <a:rPr lang="en-US" smtClean="0"/>
-              <a:t>7/15/24</a:t>
+              <a:t>9/10/24</a:t>
             </a:fld>
             <a:endParaRPr lang="en-US"/>
           </a:p>
@@ -2993,7 +2993,7 @@
         </p:nvSpPr>
         <p:spPr>
           <a:xfrm rot="474093">
-            <a:off x="152148" y="4508237"/>
+            <a:off x="152148" y="4403307"/>
             <a:ext cx="12144427" cy="605604"/>
           </a:xfrm>
           <a:prstGeom prst="rightArrow">
@@ -3055,7 +3055,7 @@
         </p:blipFill>
         <p:spPr>
           <a:xfrm>
-            <a:off x="531696" y="3375368"/>
+            <a:off x="531696" y="3270438"/>
             <a:ext cx="2286000" cy="1282297"/>
           </a:xfrm>
           <a:prstGeom prst="rect">
@@ -3090,7 +3090,7 @@
         </p:blipFill>
         <p:spPr>
           <a:xfrm>
-            <a:off x="2010597" y="3611107"/>
+            <a:off x="2010597" y="3506177"/>
             <a:ext cx="2286000" cy="1284441"/>
           </a:xfrm>
           <a:prstGeom prst="rect">
@@ -3125,7 +3125,7 @@
         </p:blipFill>
         <p:spPr>
           <a:xfrm>
-            <a:off x="3484555" y="3858345"/>
+            <a:off x="3484555" y="3753415"/>
             <a:ext cx="2286000" cy="1294251"/>
           </a:xfrm>
           <a:prstGeom prst="rect">
@@ -3160,7 +3160,7 @@
         </p:blipFill>
         <p:spPr>
           <a:xfrm>
-            <a:off x="4958513" y="4107276"/>
+            <a:off x="4958513" y="4002346"/>
             <a:ext cx="2286000" cy="1284441"/>
           </a:xfrm>
           <a:prstGeom prst="rect">
@@ -3195,7 +3195,7 @@
         </p:blipFill>
         <p:spPr>
           <a:xfrm>
-            <a:off x="6446010" y="4354927"/>
+            <a:off x="6446010" y="4249997"/>
             <a:ext cx="2286000" cy="1289930"/>
           </a:xfrm>
           <a:prstGeom prst="rect">
@@ -3230,7 +3230,7 @@
         </p:blipFill>
         <p:spPr>
           <a:xfrm>
-            <a:off x="7906429" y="4647519"/>
+            <a:off x="7906429" y="4542589"/>
             <a:ext cx="2286000" cy="1284441"/>
           </a:xfrm>
           <a:prstGeom prst="rect">
@@ -3257,7 +3257,7 @@
         </p:nvSpPr>
         <p:spPr>
           <a:xfrm>
-            <a:off x="1910443" y="4904642"/>
+            <a:off x="1910443" y="4799712"/>
             <a:ext cx="960519" cy="338554"/>
           </a:xfrm>
           <a:prstGeom prst="rect">
@@ -3304,7 +3304,7 @@
         </p:nvSpPr>
         <p:spPr>
           <a:xfrm>
-            <a:off x="3400583" y="5145706"/>
+            <a:off x="3400583" y="5040776"/>
             <a:ext cx="1251176" cy="584775"/>
           </a:xfrm>
           <a:prstGeom prst="rect">
@@ -3361,7 +3361,7 @@
         </p:nvSpPr>
         <p:spPr>
           <a:xfrm>
-            <a:off x="4863099" y="5419382"/>
+            <a:off x="4863099" y="5314452"/>
             <a:ext cx="846707" cy="338554"/>
           </a:xfrm>
           <a:prstGeom prst="rect">
@@ -3408,7 +3408,7 @@
         </p:nvSpPr>
         <p:spPr>
           <a:xfrm>
-            <a:off x="6343827" y="5673766"/>
+            <a:off x="6343827" y="5568836"/>
             <a:ext cx="960519" cy="338554"/>
           </a:xfrm>
           <a:prstGeom prst="rect">
@@ -3455,7 +3455,7 @@
         </p:nvSpPr>
         <p:spPr>
           <a:xfrm>
-            <a:off x="7811915" y="5943770"/>
+            <a:off x="7811915" y="5838840"/>
             <a:ext cx="960519" cy="338554"/>
           </a:xfrm>
           <a:prstGeom prst="rect">
@@ -3502,7 +3502,7 @@
         </p:nvSpPr>
         <p:spPr>
           <a:xfrm>
-            <a:off x="9297404" y="6203006"/>
+            <a:off x="9297404" y="6098076"/>
             <a:ext cx="1093569" cy="584775"/>
           </a:xfrm>
           <a:prstGeom prst="rect">
@@ -3573,7 +3573,7 @@
         </p:blipFill>
         <p:spPr>
           <a:xfrm>
-            <a:off x="9380387" y="4902856"/>
+            <a:off x="9380387" y="4797926"/>
             <a:ext cx="2286000" cy="1293746"/>
           </a:xfrm>
           <a:prstGeom prst="rect">
@@ -3600,7 +3600,7 @@
         </p:nvSpPr>
         <p:spPr>
           <a:xfrm>
-            <a:off x="442309" y="4669458"/>
+            <a:off x="442309" y="4564528"/>
             <a:ext cx="960520" cy="338554"/>
           </a:xfrm>
           <a:prstGeom prst="rect">
@@ -3647,7 +3647,7 @@
         </p:nvSpPr>
         <p:spPr>
           <a:xfrm>
-            <a:off x="4326036" y="704791"/>
+            <a:off x="4326036" y="599861"/>
             <a:ext cx="4075628" cy="2667195"/>
           </a:xfrm>
           <a:prstGeom prst="wedgeRectCallout">
@@ -3710,7 +3710,7 @@
         </p:blipFill>
         <p:spPr>
           <a:xfrm>
-            <a:off x="5017527" y="2334325"/>
+            <a:off x="5017527" y="2229395"/>
             <a:ext cx="1630136" cy="914400"/>
           </a:xfrm>
           <a:prstGeom prst="rect">
@@ -3745,7 +3745,7 @@
         </p:blipFill>
         <p:spPr>
           <a:xfrm>
-            <a:off x="5020997" y="1392185"/>
+            <a:off x="5020997" y="1287255"/>
             <a:ext cx="1623196" cy="914400"/>
           </a:xfrm>
           <a:prstGeom prst="rect">
@@ -3780,7 +3780,7 @@
         </p:blipFill>
         <p:spPr>
           <a:xfrm>
-            <a:off x="6668189" y="2334325"/>
+            <a:off x="6668189" y="2229395"/>
             <a:ext cx="1620490" cy="914400"/>
           </a:xfrm>
           <a:prstGeom prst="rect">
@@ -3815,7 +3815,7 @@
         </p:blipFill>
         <p:spPr>
           <a:xfrm>
-            <a:off x="6668189" y="1395284"/>
+            <a:off x="6668189" y="1290354"/>
             <a:ext cx="1625299" cy="914400"/>
           </a:xfrm>
           <a:prstGeom prst="rect">
@@ -3842,7 +3842,7 @@
         </p:nvSpPr>
         <p:spPr>
           <a:xfrm>
-            <a:off x="5002159" y="800884"/>
+            <a:off x="5002159" y="695954"/>
             <a:ext cx="1655064" cy="584775"/>
           </a:xfrm>
           <a:prstGeom prst="rect">
@@ -3908,7 +3908,7 @@
         </p:nvSpPr>
         <p:spPr>
           <a:xfrm>
-            <a:off x="6647663" y="800884"/>
+            <a:off x="6647663" y="695954"/>
             <a:ext cx="1664208" cy="584775"/>
           </a:xfrm>
           <a:prstGeom prst="rect">
@@ -3974,7 +3974,7 @@
         </p:nvSpPr>
         <p:spPr>
           <a:xfrm rot="16200000">
-            <a:off x="3768292" y="2034751"/>
+            <a:off x="3768292" y="1929821"/>
             <a:ext cx="1882960" cy="584775"/>
           </a:xfrm>
           <a:prstGeom prst="rect">
@@ -4036,7 +4036,7 @@
         </p:nvSpPr>
         <p:spPr>
           <a:xfrm>
-            <a:off x="442309" y="3036510"/>
+            <a:off x="442309" y="2931580"/>
             <a:ext cx="2467762" cy="400110"/>
           </a:xfrm>
           <a:prstGeom prst="rect">
@@ -4080,7 +4080,7 @@
         </p:nvSpPr>
         <p:spPr>
           <a:xfrm>
-            <a:off x="5138156" y="346872"/>
+            <a:off x="5138156" y="241942"/>
             <a:ext cx="2467762" cy="400110"/>
           </a:xfrm>
           <a:prstGeom prst="rect">
@@ -4124,7 +4124,7 @@
         </p:nvSpPr>
         <p:spPr>
           <a:xfrm>
-            <a:off x="12168608" y="5392955"/>
+            <a:off x="12168608" y="5288025"/>
             <a:ext cx="570461" cy="400110"/>
           </a:xfrm>
           <a:prstGeom prst="rect">
@@ -4184,12 +4184,188 @@
           <a:chExt cx="0" cy="0"/>
         </a:xfrm>
       </p:grpSpPr>
+      <p:sp>
+        <p:nvSpPr>
+          <p:cNvPr id="21" name="TextBox 20">
+            <a:extLst>
+              <a:ext uri="{FF2B5EF4-FFF2-40B4-BE49-F238E27FC236}">
+                <a16:creationId xmlns:a16="http://schemas.microsoft.com/office/drawing/2014/main" id="{A08BF620-2489-04DB-D4B1-4BFC926D488A}"/>
+              </a:ext>
+            </a:extLst>
+          </p:cNvPr>
+          <p:cNvSpPr txBox="1"/>
+          <p:nvPr/>
+        </p:nvSpPr>
+        <p:spPr>
+          <a:xfrm>
+            <a:off x="5002159" y="695954"/>
+            <a:ext cx="1655064" cy="584775"/>
+          </a:xfrm>
+          <a:prstGeom prst="rect">
+            <a:avLst/>
+          </a:prstGeom>
+          <a:solidFill>
+            <a:srgbClr val="BE8D00"/>
+          </a:solidFill>
+          <a:ln w="38100">
+            <a:solidFill>
+              <a:schemeClr val="bg1"/>
+            </a:solidFill>
+          </a:ln>
+        </p:spPr>
+        <p:txBody>
+          <a:bodyPr wrap="square" rtlCol="0">
+            <a:spAutoFit/>
+          </a:bodyPr>
+          <a:lstStyle/>
+          <a:p>
+            <a:pPr algn="ctr"/>
+            <a:r>
+              <a:rPr lang="en-US" sz="1600" b="1" dirty="0">
+                <a:solidFill>
+                  <a:schemeClr val="bg1"/>
+                </a:solidFill>
+                <a:latin typeface="Avenir Book" panose="02000503020000020003" pitchFamily="2" charset="0"/>
+              </a:rPr>
+              <a:t>High incentive</a:t>
+            </a:r>
+          </a:p>
+          <a:p>
+            <a:pPr algn="ctr"/>
+            <a:r>
+              <a:rPr lang="en-US" sz="1600" b="1" dirty="0">
+                <a:solidFill>
+                  <a:schemeClr val="bg1"/>
+                </a:solidFill>
+                <a:latin typeface="Avenir Book" panose="02000503020000020003" pitchFamily="2" charset="0"/>
+              </a:rPr>
+              <a:t>(10 cents)</a:t>
+            </a:r>
+            <a:endParaRPr lang="en-US" sz="1600" b="1" dirty="0">
+              <a:solidFill>
+                <a:schemeClr val="bg1"/>
+              </a:solidFill>
+              <a:latin typeface="Avenir Next Condensed" panose="020B0506020202020204" pitchFamily="34" charset="0"/>
+            </a:endParaRPr>
+          </a:p>
+        </p:txBody>
+      </p:sp>
+      <p:sp>
+        <p:nvSpPr>
+          <p:cNvPr id="22" name="TextBox 21">
+            <a:extLst>
+              <a:ext uri="{FF2B5EF4-FFF2-40B4-BE49-F238E27FC236}">
+                <a16:creationId xmlns:a16="http://schemas.microsoft.com/office/drawing/2014/main" id="{F9F7AAD4-BDF5-5018-945D-9690C85A4CB7}"/>
+              </a:ext>
+            </a:extLst>
+          </p:cNvPr>
+          <p:cNvSpPr txBox="1"/>
+          <p:nvPr/>
+        </p:nvSpPr>
+        <p:spPr>
+          <a:xfrm>
+            <a:off x="6647663" y="695954"/>
+            <a:ext cx="1664208" cy="584775"/>
+          </a:xfrm>
+          <a:prstGeom prst="rect">
+            <a:avLst/>
+          </a:prstGeom>
+          <a:solidFill>
+            <a:srgbClr val="A6A6A6"/>
+          </a:solidFill>
+          <a:ln w="38100">
+            <a:solidFill>
+              <a:schemeClr val="bg1"/>
+            </a:solidFill>
+          </a:ln>
+        </p:spPr>
+        <p:txBody>
+          <a:bodyPr wrap="square" rtlCol="0">
+            <a:spAutoFit/>
+          </a:bodyPr>
+          <a:lstStyle/>
+          <a:p>
+            <a:pPr algn="ctr"/>
+            <a:r>
+              <a:rPr lang="en-US" sz="1600" b="1" dirty="0">
+                <a:solidFill>
+                  <a:schemeClr val="bg1"/>
+                </a:solidFill>
+                <a:latin typeface="Avenir Book" panose="02000503020000020003" pitchFamily="2" charset="0"/>
+              </a:rPr>
+              <a:t>Low incentive</a:t>
+            </a:r>
+          </a:p>
+          <a:p>
+            <a:pPr algn="ctr"/>
+            <a:r>
+              <a:rPr lang="en-US" sz="1600" b="1" dirty="0">
+                <a:solidFill>
+                  <a:schemeClr val="bg1"/>
+                </a:solidFill>
+                <a:latin typeface="Avenir Book" panose="02000503020000020003" pitchFamily="2" charset="0"/>
+              </a:rPr>
+              <a:t>(1 cent)</a:t>
+            </a:r>
+            <a:endParaRPr lang="en-US" sz="1600" b="1" dirty="0">
+              <a:solidFill>
+                <a:schemeClr val="bg1"/>
+              </a:solidFill>
+              <a:latin typeface="Avenir Next Condensed" panose="020B0506020202020204" pitchFamily="34" charset="0"/>
+            </a:endParaRPr>
+          </a:p>
+        </p:txBody>
+      </p:sp>
+      <p:sp>
+        <p:nvSpPr>
+          <p:cNvPr id="31" name="TextBox 30">
+            <a:extLst>
+              <a:ext uri="{FF2B5EF4-FFF2-40B4-BE49-F238E27FC236}">
+                <a16:creationId xmlns:a16="http://schemas.microsoft.com/office/drawing/2014/main" id="{2CCAAE6C-BE1E-E0AE-F010-A0AE4E036641}"/>
+              </a:ext>
+            </a:extLst>
+          </p:cNvPr>
+          <p:cNvSpPr txBox="1"/>
+          <p:nvPr/>
+        </p:nvSpPr>
+        <p:spPr>
+          <a:xfrm>
+            <a:off x="5138156" y="241942"/>
+            <a:ext cx="2467762" cy="400110"/>
+          </a:xfrm>
+          <a:prstGeom prst="rect">
+            <a:avLst/>
+          </a:prstGeom>
+          <a:noFill/>
+          <a:ln>
+            <a:noFill/>
+          </a:ln>
+        </p:spPr>
+        <p:txBody>
+          <a:bodyPr wrap="square" rtlCol="0" anchor="ctr">
+            <a:spAutoFit/>
+          </a:bodyPr>
+          <a:lstStyle/>
+          <a:p>
+            <a:pPr algn="ctr"/>
+            <a:r>
+              <a:rPr lang="en-US" sz="2000" b="1" dirty="0">
+                <a:latin typeface="Avenir Book" panose="02000503020000020003" pitchFamily="2" charset="0"/>
+              </a:rPr>
+              <a:t>CUE SCREENS</a:t>
+            </a:r>
+            <a:endParaRPr lang="en-US" sz="2000" b="1" i="1" dirty="0">
+              <a:latin typeface="Avenir Next Condensed" panose="020B0506020202020204" pitchFamily="34" charset="0"/>
+            </a:endParaRPr>
+          </a:p>
+        </p:txBody>
+      </p:sp>
       <p:pic>
         <p:nvPicPr>
-          <p:cNvPr id="7" name="Picture 6" descr="A graph with a number of different colored lines&#10;&#10;Description automatically generated with medium confidence">
-            <a:extLst>
-              <a:ext uri="{FF2B5EF4-FFF2-40B4-BE49-F238E27FC236}">
-                <a16:creationId xmlns:a16="http://schemas.microsoft.com/office/drawing/2014/main" id="{955B06DA-44DF-BBE6-C0EC-C5726DF71BCB}"/>
+          <p:cNvPr id="24" name="Picture 23" descr="Icon&#10;&#10;Description automatically generated with medium confidence">
+            <a:extLst>
+              <a:ext uri="{FF2B5EF4-FFF2-40B4-BE49-F238E27FC236}">
+                <a16:creationId xmlns:a16="http://schemas.microsoft.com/office/drawing/2014/main" id="{C4B20C4F-92A6-04A6-3038-08A186232BF3}"/>
               </a:ext>
             </a:extLst>
           </p:cNvPr>
@@ -4199,27 +4375,38 @@
           <p:nvPr/>
         </p:nvPicPr>
         <p:blipFill>
-          <a:blip r:embed="rId2"/>
+          <a:blip r:embed="rId2" cstate="print">
+            <a:extLst>
+              <a:ext uri="{28A0092B-C50C-407E-A947-70E740481C1C}">
+                <a14:useLocalDpi xmlns:a14="http://schemas.microsoft.com/office/drawing/2010/main" val="0"/>
+              </a:ext>
+            </a:extLst>
+          </a:blip>
           <a:stretch>
             <a:fillRect/>
           </a:stretch>
         </p:blipFill>
         <p:spPr>
           <a:xfrm>
-            <a:off x="8686799" y="228600"/>
-            <a:ext cx="4572000" cy="6400800"/>
-          </a:xfrm>
-          <a:prstGeom prst="rect">
-            <a:avLst/>
-          </a:prstGeom>
+            <a:off x="5015363" y="1290354"/>
+            <a:ext cx="1619202" cy="917673"/>
+          </a:xfrm>
+          <a:prstGeom prst="rect">
+            <a:avLst/>
+          </a:prstGeom>
+          <a:ln w="38100">
+            <a:solidFill>
+              <a:schemeClr val="bg1"/>
+            </a:solidFill>
+          </a:ln>
         </p:spPr>
       </p:pic>
       <p:pic>
         <p:nvPicPr>
-          <p:cNvPr id="9" name="Picture 8" descr="A graph showing different stages of model prediction&#10;&#10;Description automatically generated">
-            <a:extLst>
-              <a:ext uri="{FF2B5EF4-FFF2-40B4-BE49-F238E27FC236}">
-                <a16:creationId xmlns:a16="http://schemas.microsoft.com/office/drawing/2014/main" id="{6D3FDFD4-3BE3-4540-390D-FFA857BA8150}"/>
+          <p:cNvPr id="25" name="Picture 24" descr="A picture containing icon&#10;&#10;Description automatically generated">
+            <a:extLst>
+              <a:ext uri="{FF2B5EF4-FFF2-40B4-BE49-F238E27FC236}">
+                <a16:creationId xmlns:a16="http://schemas.microsoft.com/office/drawing/2014/main" id="{A7EC0F5D-1043-C19C-C5B0-0F09DC4C667C}"/>
               </a:ext>
             </a:extLst>
           </p:cNvPr>
@@ -4229,27 +4416,120 @@
           <p:nvPr/>
         </p:nvPicPr>
         <p:blipFill>
-          <a:blip r:embed="rId3"/>
+          <a:blip r:embed="rId3" cstate="print">
+            <a:extLst>
+              <a:ext uri="{28A0092B-C50C-407E-A947-70E740481C1C}">
+                <a14:useLocalDpi xmlns:a14="http://schemas.microsoft.com/office/drawing/2010/main" val="0"/>
+              </a:ext>
+            </a:extLst>
+          </a:blip>
           <a:stretch>
             <a:fillRect/>
           </a:stretch>
         </p:blipFill>
         <p:spPr>
           <a:xfrm>
-            <a:off x="2285999" y="228600"/>
-            <a:ext cx="6400800" cy="6400800"/>
-          </a:xfrm>
-          <a:prstGeom prst="rect">
-            <a:avLst/>
-          </a:prstGeom>
+            <a:off x="5013833" y="2230776"/>
+            <a:ext cx="1622262" cy="914400"/>
+          </a:xfrm>
+          <a:prstGeom prst="rect">
+            <a:avLst/>
+          </a:prstGeom>
+          <a:ln w="38100">
+            <a:solidFill>
+              <a:schemeClr val="bg1"/>
+            </a:solidFill>
+          </a:ln>
         </p:spPr>
       </p:pic>
-      <p:sp>
-        <p:nvSpPr>
-          <p:cNvPr id="10" name="TextBox 9">
-            <a:extLst>
-              <a:ext uri="{FF2B5EF4-FFF2-40B4-BE49-F238E27FC236}">
-                <a16:creationId xmlns:a16="http://schemas.microsoft.com/office/drawing/2014/main" id="{576C0EF5-7CB1-C5FA-5A24-DE3D9D07DDA5}"/>
+      <p:pic>
+        <p:nvPicPr>
+          <p:cNvPr id="26" name="Picture 25" descr="Icon&#10;&#10;Description automatically generated">
+            <a:extLst>
+              <a:ext uri="{FF2B5EF4-FFF2-40B4-BE49-F238E27FC236}">
+                <a16:creationId xmlns:a16="http://schemas.microsoft.com/office/drawing/2014/main" id="{58B9B55C-52E5-5A63-93B9-95AC62B876E7}"/>
+              </a:ext>
+            </a:extLst>
+          </p:cNvPr>
+          <p:cNvPicPr>
+            <a:picLocks noChangeAspect="1"/>
+          </p:cNvPicPr>
+          <p:nvPr/>
+        </p:nvPicPr>
+        <p:blipFill>
+          <a:blip r:embed="rId4" cstate="print">
+            <a:extLst>
+              <a:ext uri="{28A0092B-C50C-407E-A947-70E740481C1C}">
+                <a14:useLocalDpi xmlns:a14="http://schemas.microsoft.com/office/drawing/2010/main" val="0"/>
+              </a:ext>
+            </a:extLst>
+          </a:blip>
+          <a:stretch>
+            <a:fillRect/>
+          </a:stretch>
+        </p:blipFill>
+        <p:spPr>
+          <a:xfrm>
+            <a:off x="6668189" y="1280680"/>
+            <a:ext cx="1628951" cy="914400"/>
+          </a:xfrm>
+          <a:prstGeom prst="rect">
+            <a:avLst/>
+          </a:prstGeom>
+          <a:ln w="38100">
+            <a:solidFill>
+              <a:schemeClr val="bg1"/>
+            </a:solidFill>
+          </a:ln>
+        </p:spPr>
+      </p:pic>
+      <p:pic>
+        <p:nvPicPr>
+          <p:cNvPr id="27" name="Picture 26" descr="Icon&#10;&#10;Description automatically generated">
+            <a:extLst>
+              <a:ext uri="{FF2B5EF4-FFF2-40B4-BE49-F238E27FC236}">
+                <a16:creationId xmlns:a16="http://schemas.microsoft.com/office/drawing/2014/main" id="{0BB7AE6F-770C-574B-59F5-8B6C410F1B81}"/>
+              </a:ext>
+            </a:extLst>
+          </p:cNvPr>
+          <p:cNvPicPr>
+            <a:picLocks noChangeAspect="1"/>
+          </p:cNvPicPr>
+          <p:nvPr/>
+        </p:nvPicPr>
+        <p:blipFill>
+          <a:blip r:embed="rId5" cstate="print">
+            <a:extLst>
+              <a:ext uri="{28A0092B-C50C-407E-A947-70E740481C1C}">
+                <a14:useLocalDpi xmlns:a14="http://schemas.microsoft.com/office/drawing/2010/main" val="0"/>
+              </a:ext>
+            </a:extLst>
+          </a:blip>
+          <a:stretch>
+            <a:fillRect/>
+          </a:stretch>
+        </p:blipFill>
+        <p:spPr>
+          <a:xfrm>
+            <a:off x="6674878" y="2230776"/>
+            <a:ext cx="1622262" cy="914400"/>
+          </a:xfrm>
+          <a:prstGeom prst="rect">
+            <a:avLst/>
+          </a:prstGeom>
+          <a:ln w="38100">
+            <a:solidFill>
+              <a:schemeClr val="bg1"/>
+            </a:solidFill>
+          </a:ln>
+        </p:spPr>
+      </p:pic>
+      <p:sp>
+        <p:nvSpPr>
+          <p:cNvPr id="29" name="TextBox 28">
+            <a:extLst>
+              <a:ext uri="{FF2B5EF4-FFF2-40B4-BE49-F238E27FC236}">
+                <a16:creationId xmlns:a16="http://schemas.microsoft.com/office/drawing/2014/main" id="{5B6A51E1-4C8A-B7F0-4CBE-EB7050D8C376}"/>
               </a:ext>
             </a:extLst>
           </p:cNvPr>
@@ -4257,36 +4537,47 @@
           <p:nvPr/>
         </p:nvSpPr>
         <p:spPr>
-          <a:xfrm>
-            <a:off x="2285999" y="-29529"/>
-            <a:ext cx="494046" cy="461665"/>
-          </a:xfrm>
-          <a:prstGeom prst="rect">
-            <a:avLst/>
-          </a:prstGeom>
-          <a:noFill/>
-        </p:spPr>
-        <p:txBody>
-          <a:bodyPr wrap="none" rtlCol="0">
+          <a:xfrm rot="16200000">
+            <a:off x="4239599" y="1450867"/>
+            <a:ext cx="932688" cy="585216"/>
+          </a:xfrm>
+          <a:prstGeom prst="rect">
+            <a:avLst/>
+          </a:prstGeom>
+          <a:solidFill>
+            <a:srgbClr val="2F4B26"/>
+          </a:solidFill>
+          <a:ln w="38100">
+            <a:solidFill>
+              <a:schemeClr val="bg1"/>
+            </a:solidFill>
+          </a:ln>
+        </p:spPr>
+        <p:txBody>
+          <a:bodyPr wrap="square" rtlCol="0" anchor="ctr">
             <a:spAutoFit/>
           </a:bodyPr>
           <a:lstStyle/>
           <a:p>
-            <a:r>
-              <a:rPr lang="en-US" sz="2400" b="1" dirty="0">
+            <a:pPr algn="ctr"/>
+            <a:r>
+              <a:rPr lang="en-US" sz="1600" b="1" dirty="0">
+                <a:solidFill>
+                  <a:schemeClr val="bg1"/>
+                </a:solidFill>
                 <a:latin typeface="Avenir Book" panose="02000503020000020003" pitchFamily="2" charset="0"/>
               </a:rPr>
-              <a:t>A.</a:t>
-            </a:r>
-          </a:p>
-        </p:txBody>
-      </p:sp>
-      <p:sp>
-        <p:nvSpPr>
-          <p:cNvPr id="12" name="TextBox 11">
-            <a:extLst>
-              <a:ext uri="{FF2B5EF4-FFF2-40B4-BE49-F238E27FC236}">
-                <a16:creationId xmlns:a16="http://schemas.microsoft.com/office/drawing/2014/main" id="{2AAD0ABE-DD20-21A8-C044-D261EE2CA146}"/>
+              <a:t>Easy</a:t>
+            </a:r>
+          </a:p>
+        </p:txBody>
+      </p:sp>
+      <p:sp>
+        <p:nvSpPr>
+          <p:cNvPr id="34" name="TextBox 33">
+            <a:extLst>
+              <a:ext uri="{FF2B5EF4-FFF2-40B4-BE49-F238E27FC236}">
+                <a16:creationId xmlns:a16="http://schemas.microsoft.com/office/drawing/2014/main" id="{1D1BF034-9D9C-9EAE-A670-AB660E7A3F2F}"/>
               </a:ext>
             </a:extLst>
           </p:cNvPr>
@@ -4294,34 +4585,97 @@
           <p:nvPr/>
         </p:nvSpPr>
         <p:spPr>
-          <a:xfrm>
-            <a:off x="8686799" y="-27296"/>
-            <a:ext cx="476412" cy="461665"/>
-          </a:xfrm>
-          <a:prstGeom prst="rect">
-            <a:avLst/>
-          </a:prstGeom>
-          <a:noFill/>
-        </p:spPr>
-        <p:txBody>
-          <a:bodyPr wrap="none" rtlCol="0">
+          <a:xfrm rot="16200000">
+            <a:off x="4230455" y="2397312"/>
+            <a:ext cx="950976" cy="585216"/>
+          </a:xfrm>
+          <a:prstGeom prst="rect">
+            <a:avLst/>
+          </a:prstGeom>
+          <a:solidFill>
+            <a:srgbClr val="026C7C"/>
+          </a:solidFill>
+          <a:ln w="38100">
+            <a:solidFill>
+              <a:schemeClr val="bg1"/>
+            </a:solidFill>
+          </a:ln>
+        </p:spPr>
+        <p:txBody>
+          <a:bodyPr wrap="square" rtlCol="0" anchor="ctr">
             <a:spAutoFit/>
           </a:bodyPr>
           <a:lstStyle/>
           <a:p>
-            <a:r>
-              <a:rPr lang="en-US" sz="2400" b="1" dirty="0">
+            <a:pPr algn="ctr"/>
+            <a:r>
+              <a:rPr lang="en-US" sz="1600" b="1" dirty="0">
+                <a:solidFill>
+                  <a:schemeClr val="bg1"/>
+                </a:solidFill>
                 <a:latin typeface="Avenir Book" panose="02000503020000020003" pitchFamily="2" charset="0"/>
               </a:rPr>
-              <a:t>B.</a:t>
-            </a:r>
+              <a:t>Hard</a:t>
+            </a:r>
+          </a:p>
+        </p:txBody>
+      </p:sp>
+      <p:sp>
+        <p:nvSpPr>
+          <p:cNvPr id="35" name="Rectangle 34">
+            <a:extLst>
+              <a:ext uri="{FF2B5EF4-FFF2-40B4-BE49-F238E27FC236}">
+                <a16:creationId xmlns:a16="http://schemas.microsoft.com/office/drawing/2014/main" id="{D07CFCB5-ADFA-83AD-36EF-C92733359AC3}"/>
+              </a:ext>
+            </a:extLst>
+          </p:cNvPr>
+          <p:cNvSpPr/>
+          <p:nvPr/>
+        </p:nvSpPr>
+        <p:spPr>
+          <a:xfrm>
+            <a:off x="4326036" y="599860"/>
+            <a:ext cx="4075628" cy="2667195"/>
+          </a:xfrm>
+          <a:prstGeom prst="rect">
+            <a:avLst/>
+          </a:prstGeom>
+          <a:noFill/>
+          <a:ln w="38100">
+            <a:solidFill>
+              <a:schemeClr val="tx1"/>
+            </a:solidFill>
+          </a:ln>
+        </p:spPr>
+        <p:style>
+          <a:lnRef idx="2">
+            <a:schemeClr val="accent1">
+              <a:shade val="15000"/>
+            </a:schemeClr>
+          </a:lnRef>
+          <a:fillRef idx="1">
+            <a:schemeClr val="accent1"/>
+          </a:fillRef>
+          <a:effectRef idx="0">
+            <a:schemeClr val="accent1"/>
+          </a:effectRef>
+          <a:fontRef idx="minor">
+            <a:schemeClr val="lt1"/>
+          </a:fontRef>
+        </p:style>
+        <p:txBody>
+          <a:bodyPr rtlCol="0" anchor="ctr"/>
+          <a:lstStyle/>
+          <a:p>
+            <a:pPr algn="ctr"/>
+            <a:endParaRPr lang="en-US"/>
           </a:p>
         </p:txBody>
       </p:sp>
     </p:spTree>
     <p:extLst>
       <p:ext uri="{BB962C8B-B14F-4D97-AF65-F5344CB8AC3E}">
-        <p14:creationId xmlns:p14="http://schemas.microsoft.com/office/powerpoint/2010/main" val="554590486"/>
+        <p14:creationId xmlns:p14="http://schemas.microsoft.com/office/powerpoint/2010/main" val="3195072192"/>
       </p:ext>
     </p:extLst>
   </p:cSld>
@@ -4370,7 +4724,7 @@
         </p:blipFill>
         <p:spPr>
           <a:xfrm>
-            <a:off x="1344335" y="313900"/>
+            <a:off x="474915" y="448810"/>
             <a:ext cx="6400800" cy="8229600"/>
           </a:xfrm>
           <a:prstGeom prst="rect">
@@ -4400,7 +4754,7 @@
         </p:blipFill>
         <p:spPr>
           <a:xfrm>
-            <a:off x="7745135" y="313900"/>
+            <a:off x="6875715" y="448810"/>
             <a:ext cx="6400800" cy="8229600"/>
           </a:xfrm>
           <a:prstGeom prst="rect">
@@ -4422,7 +4776,7 @@
         </p:nvSpPr>
         <p:spPr>
           <a:xfrm>
-            <a:off x="1344335" y="60207"/>
+            <a:off x="474915" y="195117"/>
             <a:ext cx="494046" cy="461665"/>
           </a:xfrm>
           <a:prstGeom prst="rect">
@@ -4459,7 +4813,7 @@
         </p:nvSpPr>
         <p:spPr>
           <a:xfrm>
-            <a:off x="7742016" y="60207"/>
+            <a:off x="6872596" y="195117"/>
             <a:ext cx="476412" cy="461665"/>
           </a:xfrm>
           <a:prstGeom prst="rect">
@@ -4533,7 +4887,7 @@
         </p:blipFill>
         <p:spPr>
           <a:xfrm>
-            <a:off x="1344335" y="313900"/>
+            <a:off x="474909" y="448810"/>
             <a:ext cx="6400800" cy="8229600"/>
           </a:xfrm>
           <a:prstGeom prst="rect">
@@ -4562,7 +4916,7 @@
         </p:blipFill>
         <p:spPr>
           <a:xfrm>
-            <a:off x="7745135" y="313900"/>
+            <a:off x="6875709" y="448810"/>
             <a:ext cx="6400800" cy="8229600"/>
           </a:xfrm>
           <a:prstGeom prst="rect">
@@ -4584,7 +4938,7 @@
         </p:nvSpPr>
         <p:spPr>
           <a:xfrm>
-            <a:off x="1344335" y="60207"/>
+            <a:off x="474909" y="195117"/>
             <a:ext cx="494046" cy="461665"/>
           </a:xfrm>
           <a:prstGeom prst="rect">
@@ -4621,7 +4975,7 @@
         </p:nvSpPr>
         <p:spPr>
           <a:xfrm>
-            <a:off x="7742016" y="60207"/>
+            <a:off x="6872590" y="195117"/>
             <a:ext cx="476412" cy="461665"/>
           </a:xfrm>
           <a:prstGeom prst="rect">
@@ -4676,10 +5030,10 @@
       </p:grpSpPr>
       <p:pic>
         <p:nvPicPr>
-          <p:cNvPr id="3" name="Picture 2">
-            <a:extLst>
-              <a:ext uri="{FF2B5EF4-FFF2-40B4-BE49-F238E27FC236}">
-                <a16:creationId xmlns:a16="http://schemas.microsoft.com/office/drawing/2014/main" id="{4E8505C6-299F-642A-3043-AB36555F0FF0}"/>
+          <p:cNvPr id="7" name="Picture 6" descr="A graph with a number of different colored lines&#10;&#10;Description automatically generated with medium confidence">
+            <a:extLst>
+              <a:ext uri="{FF2B5EF4-FFF2-40B4-BE49-F238E27FC236}">
+                <a16:creationId xmlns:a16="http://schemas.microsoft.com/office/drawing/2014/main" id="{955B06DA-44DF-BBE6-C0EC-C5726DF71BCB}"/>
               </a:ext>
             </a:extLst>
           </p:cNvPr>
@@ -4690,12 +5044,43 @@
         </p:nvPicPr>
         <p:blipFill>
           <a:blip r:embed="rId2"/>
-          <a:srcRect/>
-          <a:stretch/>
+          <a:stretch>
+            <a:fillRect/>
+          </a:stretch>
         </p:blipFill>
         <p:spPr>
           <a:xfrm>
-            <a:off x="4114800" y="457200"/>
+            <a:off x="8207115" y="378500"/>
+            <a:ext cx="4572000" cy="6400800"/>
+          </a:xfrm>
+          <a:prstGeom prst="rect">
+            <a:avLst/>
+          </a:prstGeom>
+        </p:spPr>
+      </p:pic>
+      <p:pic>
+        <p:nvPicPr>
+          <p:cNvPr id="9" name="Picture 8" descr="A graph showing different stages of model prediction&#10;&#10;Description automatically generated">
+            <a:extLst>
+              <a:ext uri="{FF2B5EF4-FFF2-40B4-BE49-F238E27FC236}">
+                <a16:creationId xmlns:a16="http://schemas.microsoft.com/office/drawing/2014/main" id="{6D3FDFD4-3BE3-4540-390D-FFA857BA8150}"/>
+              </a:ext>
+            </a:extLst>
+          </p:cNvPr>
+          <p:cNvPicPr>
+            <a:picLocks noChangeAspect="1"/>
+          </p:cNvPicPr>
+          <p:nvPr/>
+        </p:nvPicPr>
+        <p:blipFill>
+          <a:blip r:embed="rId3"/>
+          <a:stretch>
+            <a:fillRect/>
+          </a:stretch>
+        </p:blipFill>
+        <p:spPr>
+          <a:xfrm>
+            <a:off x="1806315" y="378500"/>
             <a:ext cx="6400800" cy="6400800"/>
           </a:xfrm>
           <a:prstGeom prst="rect">
@@ -4705,10 +5090,10 @@
       </p:pic>
       <p:sp>
         <p:nvSpPr>
-          <p:cNvPr id="2" name="TextBox 1">
-            <a:extLst>
-              <a:ext uri="{FF2B5EF4-FFF2-40B4-BE49-F238E27FC236}">
-                <a16:creationId xmlns:a16="http://schemas.microsoft.com/office/drawing/2014/main" id="{B8BFE404-EBF0-C7E7-0829-6ABA2E896C51}"/>
+          <p:cNvPr id="10" name="TextBox 9">
+            <a:extLst>
+              <a:ext uri="{FF2B5EF4-FFF2-40B4-BE49-F238E27FC236}">
+                <a16:creationId xmlns:a16="http://schemas.microsoft.com/office/drawing/2014/main" id="{576C0EF5-7CB1-C5FA-5A24-DE3D9D07DDA5}"/>
               </a:ext>
             </a:extLst>
           </p:cNvPr>
@@ -4717,44 +5102,35 @@
         </p:nvSpPr>
         <p:spPr>
           <a:xfrm>
-            <a:off x="5543920" y="5241301"/>
-            <a:ext cx="394968" cy="215444"/>
-          </a:xfrm>
-          <a:prstGeom prst="rect">
-            <a:avLst/>
-          </a:prstGeom>
-          <a:solidFill>
-            <a:srgbClr val="BC90AB"/>
-          </a:solidFill>
-          <a:ln w="38100">
-            <a:noFill/>
-          </a:ln>
-        </p:spPr>
-        <p:txBody>
-          <a:bodyPr wrap="square" rtlCol="0">
+            <a:off x="1806315" y="120371"/>
+            <a:ext cx="494046" cy="461665"/>
+          </a:xfrm>
+          <a:prstGeom prst="rect">
+            <a:avLst/>
+          </a:prstGeom>
+          <a:noFill/>
+        </p:spPr>
+        <p:txBody>
+          <a:bodyPr wrap="none" rtlCol="0">
             <a:spAutoFit/>
           </a:bodyPr>
           <a:lstStyle/>
           <a:p>
-            <a:pPr algn="ctr"/>
-            <a:r>
-              <a:rPr lang="en-US" sz="800" b="1" dirty="0">
-                <a:solidFill>
-                  <a:schemeClr val="bg1"/>
-                </a:solidFill>
+            <a:r>
+              <a:rPr lang="en-US" sz="2400" b="1" dirty="0">
                 <a:latin typeface="Avenir Book" panose="02000503020000020003" pitchFamily="2" charset="0"/>
               </a:rPr>
-              <a:t>10.5</a:t>
-            </a:r>
-          </a:p>
-        </p:txBody>
-      </p:sp>
-      <p:sp>
-        <p:nvSpPr>
-          <p:cNvPr id="5" name="TextBox 4">
-            <a:extLst>
-              <a:ext uri="{FF2B5EF4-FFF2-40B4-BE49-F238E27FC236}">
-                <a16:creationId xmlns:a16="http://schemas.microsoft.com/office/drawing/2014/main" id="{1C37D649-CE5E-B98C-841A-12DE431501CD}"/>
+              <a:t>A.</a:t>
+            </a:r>
+          </a:p>
+        </p:txBody>
+      </p:sp>
+      <p:sp>
+        <p:nvSpPr>
+          <p:cNvPr id="12" name="TextBox 11">
+            <a:extLst>
+              <a:ext uri="{FF2B5EF4-FFF2-40B4-BE49-F238E27FC236}">
+                <a16:creationId xmlns:a16="http://schemas.microsoft.com/office/drawing/2014/main" id="{2AAD0ABE-DD20-21A8-C044-D261EE2CA146}"/>
               </a:ext>
             </a:extLst>
           </p:cNvPr>
@@ -4763,880 +5139,33 @@
         </p:nvSpPr>
         <p:spPr>
           <a:xfrm>
-            <a:off x="5976596" y="5241301"/>
-            <a:ext cx="394968" cy="215444"/>
-          </a:xfrm>
-          <a:prstGeom prst="rect">
-            <a:avLst/>
-          </a:prstGeom>
-          <a:solidFill>
-            <a:srgbClr val="BC90AB"/>
-          </a:solidFill>
-          <a:ln w="38100">
-            <a:noFill/>
-          </a:ln>
-        </p:spPr>
-        <p:txBody>
-          <a:bodyPr wrap="square" rtlCol="0">
+            <a:off x="8207115" y="122604"/>
+            <a:ext cx="476412" cy="461665"/>
+          </a:xfrm>
+          <a:prstGeom prst="rect">
+            <a:avLst/>
+          </a:prstGeom>
+          <a:noFill/>
+        </p:spPr>
+        <p:txBody>
+          <a:bodyPr wrap="none" rtlCol="0">
             <a:spAutoFit/>
           </a:bodyPr>
           <a:lstStyle/>
           <a:p>
-            <a:pPr algn="ctr"/>
-            <a:r>
-              <a:rPr lang="en-US" sz="800" b="1" dirty="0">
-                <a:solidFill>
-                  <a:schemeClr val="bg1"/>
-                </a:solidFill>
+            <a:r>
+              <a:rPr lang="en-US" sz="2400" b="1" dirty="0">
                 <a:latin typeface="Avenir Book" panose="02000503020000020003" pitchFamily="2" charset="0"/>
               </a:rPr>
-              <a:t>11.5</a:t>
-            </a:r>
-          </a:p>
-        </p:txBody>
-      </p:sp>
-      <p:sp>
-        <p:nvSpPr>
-          <p:cNvPr id="6" name="TextBox 5">
-            <a:extLst>
-              <a:ext uri="{FF2B5EF4-FFF2-40B4-BE49-F238E27FC236}">
-                <a16:creationId xmlns:a16="http://schemas.microsoft.com/office/drawing/2014/main" id="{72D3EF16-9B60-5206-D42F-30D2F753C6EE}"/>
-              </a:ext>
-            </a:extLst>
-          </p:cNvPr>
-          <p:cNvSpPr txBox="1"/>
-          <p:nvPr/>
-        </p:nvSpPr>
-        <p:spPr>
-          <a:xfrm>
-            <a:off x="7487412" y="5241301"/>
-            <a:ext cx="394968" cy="215444"/>
-          </a:xfrm>
-          <a:prstGeom prst="rect">
-            <a:avLst/>
-          </a:prstGeom>
-          <a:solidFill>
-            <a:srgbClr val="96587D"/>
-          </a:solidFill>
-          <a:ln w="38100">
-            <a:noFill/>
-          </a:ln>
-        </p:spPr>
-        <p:txBody>
-          <a:bodyPr wrap="square" rtlCol="0">
-            <a:spAutoFit/>
-          </a:bodyPr>
-          <a:lstStyle/>
-          <a:p>
-            <a:pPr algn="ctr"/>
-            <a:r>
-              <a:rPr lang="en-US" sz="800" b="1" dirty="0">
-                <a:solidFill>
-                  <a:schemeClr val="bg1"/>
-                </a:solidFill>
-                <a:latin typeface="Avenir Book" panose="02000503020000020003" pitchFamily="2" charset="0"/>
-              </a:rPr>
-              <a:t>15</a:t>
-            </a:r>
-          </a:p>
-        </p:txBody>
-      </p:sp>
-      <p:sp>
-        <p:nvSpPr>
-          <p:cNvPr id="7" name="TextBox 6">
-            <a:extLst>
-              <a:ext uri="{FF2B5EF4-FFF2-40B4-BE49-F238E27FC236}">
-                <a16:creationId xmlns:a16="http://schemas.microsoft.com/office/drawing/2014/main" id="{0D02E7BE-5A28-372C-CFAF-AE3877878617}"/>
-              </a:ext>
-            </a:extLst>
-          </p:cNvPr>
-          <p:cNvSpPr txBox="1"/>
-          <p:nvPr/>
-        </p:nvSpPr>
-        <p:spPr>
-          <a:xfrm>
-            <a:off x="7920088" y="5241301"/>
-            <a:ext cx="394968" cy="215444"/>
-          </a:xfrm>
-          <a:prstGeom prst="rect">
-            <a:avLst/>
-          </a:prstGeom>
-          <a:solidFill>
-            <a:srgbClr val="96587D"/>
-          </a:solidFill>
-          <a:ln w="38100">
-            <a:noFill/>
-          </a:ln>
-        </p:spPr>
-        <p:txBody>
-          <a:bodyPr wrap="square" rtlCol="0">
-            <a:spAutoFit/>
-          </a:bodyPr>
-          <a:lstStyle/>
-          <a:p>
-            <a:pPr algn="ctr"/>
-            <a:r>
-              <a:rPr lang="en-US" sz="800" b="1" dirty="0">
-                <a:solidFill>
-                  <a:schemeClr val="bg1"/>
-                </a:solidFill>
-                <a:latin typeface="Avenir Book" panose="02000503020000020003" pitchFamily="2" charset="0"/>
-              </a:rPr>
-              <a:t>16</a:t>
-            </a:r>
-          </a:p>
-        </p:txBody>
-      </p:sp>
-      <p:sp>
-        <p:nvSpPr>
-          <p:cNvPr id="10" name="TextBox 9">
-            <a:extLst>
-              <a:ext uri="{FF2B5EF4-FFF2-40B4-BE49-F238E27FC236}">
-                <a16:creationId xmlns:a16="http://schemas.microsoft.com/office/drawing/2014/main" id="{885AB619-ECF6-57A1-001C-9582E4995FEA}"/>
-              </a:ext>
-            </a:extLst>
-          </p:cNvPr>
-          <p:cNvSpPr txBox="1"/>
-          <p:nvPr/>
-        </p:nvSpPr>
-        <p:spPr>
-          <a:xfrm>
-            <a:off x="9419908" y="5241301"/>
-            <a:ext cx="394968" cy="215444"/>
-          </a:xfrm>
-          <a:prstGeom prst="rect">
-            <a:avLst/>
-          </a:prstGeom>
-          <a:solidFill>
-            <a:srgbClr val="553262"/>
-          </a:solidFill>
-          <a:ln w="38100">
-            <a:noFill/>
-          </a:ln>
-        </p:spPr>
-        <p:txBody>
-          <a:bodyPr wrap="square" rtlCol="0">
-            <a:spAutoFit/>
-          </a:bodyPr>
-          <a:lstStyle/>
-          <a:p>
-            <a:pPr algn="ctr"/>
-            <a:r>
-              <a:rPr lang="en-US" sz="800" b="1" dirty="0">
-                <a:solidFill>
-                  <a:schemeClr val="bg1"/>
-                </a:solidFill>
-                <a:latin typeface="Avenir Book" panose="02000503020000020003" pitchFamily="2" charset="0"/>
-              </a:rPr>
-              <a:t>19.5</a:t>
-            </a:r>
-          </a:p>
-        </p:txBody>
-      </p:sp>
-      <p:sp>
-        <p:nvSpPr>
-          <p:cNvPr id="11" name="TextBox 10">
-            <a:extLst>
-              <a:ext uri="{FF2B5EF4-FFF2-40B4-BE49-F238E27FC236}">
-                <a16:creationId xmlns:a16="http://schemas.microsoft.com/office/drawing/2014/main" id="{7FD17B46-DA5B-B584-F759-98E24755DA39}"/>
-              </a:ext>
-            </a:extLst>
-          </p:cNvPr>
-          <p:cNvSpPr txBox="1"/>
-          <p:nvPr/>
-        </p:nvSpPr>
-        <p:spPr>
-          <a:xfrm>
-            <a:off x="9852584" y="5241301"/>
-            <a:ext cx="394968" cy="215444"/>
-          </a:xfrm>
-          <a:prstGeom prst="rect">
-            <a:avLst/>
-          </a:prstGeom>
-          <a:solidFill>
-            <a:srgbClr val="553262"/>
-          </a:solidFill>
-          <a:ln w="38100">
-            <a:noFill/>
-          </a:ln>
-        </p:spPr>
-        <p:txBody>
-          <a:bodyPr wrap="square" rtlCol="0">
-            <a:spAutoFit/>
-          </a:bodyPr>
-          <a:lstStyle/>
-          <a:p>
-            <a:pPr algn="ctr"/>
-            <a:r>
-              <a:rPr lang="en-US" sz="800" b="1" dirty="0">
-                <a:solidFill>
-                  <a:schemeClr val="bg1"/>
-                </a:solidFill>
-                <a:latin typeface="Avenir Book" panose="02000503020000020003" pitchFamily="2" charset="0"/>
-              </a:rPr>
-              <a:t>20.5</a:t>
-            </a:r>
-          </a:p>
-        </p:txBody>
-      </p:sp>
-      <p:sp>
-        <p:nvSpPr>
-          <p:cNvPr id="18" name="Oval 17">
-            <a:extLst>
-              <a:ext uri="{FF2B5EF4-FFF2-40B4-BE49-F238E27FC236}">
-                <a16:creationId xmlns:a16="http://schemas.microsoft.com/office/drawing/2014/main" id="{9521D179-8734-6FC7-E276-0113DF3C062C}"/>
-              </a:ext>
-            </a:extLst>
-          </p:cNvPr>
-          <p:cNvSpPr>
-            <a:spLocks noChangeAspect="1"/>
-          </p:cNvSpPr>
-          <p:nvPr/>
-        </p:nvSpPr>
-        <p:spPr>
-          <a:xfrm>
-            <a:off x="5613240" y="2570289"/>
-            <a:ext cx="274320" cy="274320"/>
-          </a:xfrm>
-          <a:prstGeom prst="ellipse">
-            <a:avLst/>
-          </a:prstGeom>
-          <a:solidFill>
-            <a:schemeClr val="bg1"/>
-          </a:solidFill>
-          <a:ln w="38100">
-            <a:solidFill>
-              <a:schemeClr val="tx1"/>
-            </a:solidFill>
-          </a:ln>
-        </p:spPr>
-        <p:style>
-          <a:lnRef idx="2">
-            <a:schemeClr val="accent1">
-              <a:shade val="15000"/>
-            </a:schemeClr>
-          </a:lnRef>
-          <a:fillRef idx="1">
-            <a:schemeClr val="accent1"/>
-          </a:fillRef>
-          <a:effectRef idx="0">
-            <a:schemeClr val="accent1"/>
-          </a:effectRef>
-          <a:fontRef idx="minor">
-            <a:schemeClr val="lt1"/>
-          </a:fontRef>
-        </p:style>
-        <p:txBody>
-          <a:bodyPr rtlCol="0" anchor="ctr"/>
-          <a:lstStyle/>
-          <a:p>
-            <a:pPr algn="ctr"/>
-            <a:endParaRPr lang="en-US"/>
-          </a:p>
-        </p:txBody>
-      </p:sp>
-      <p:sp>
-        <p:nvSpPr>
-          <p:cNvPr id="19" name="Oval 18">
-            <a:extLst>
-              <a:ext uri="{FF2B5EF4-FFF2-40B4-BE49-F238E27FC236}">
-                <a16:creationId xmlns:a16="http://schemas.microsoft.com/office/drawing/2014/main" id="{434B3AFF-0A60-05DE-8043-846D2AB4BF61}"/>
-              </a:ext>
-            </a:extLst>
-          </p:cNvPr>
-          <p:cNvSpPr>
-            <a:spLocks noChangeAspect="1"/>
-          </p:cNvSpPr>
-          <p:nvPr/>
-        </p:nvSpPr>
-        <p:spPr>
-          <a:xfrm>
-            <a:off x="6030045" y="2332576"/>
-            <a:ext cx="274320" cy="274320"/>
-          </a:xfrm>
-          <a:prstGeom prst="ellipse">
-            <a:avLst/>
-          </a:prstGeom>
-          <a:solidFill>
-            <a:schemeClr val="bg1"/>
-          </a:solidFill>
-          <a:ln w="38100">
-            <a:solidFill>
-              <a:schemeClr val="tx1"/>
-            </a:solidFill>
-          </a:ln>
-        </p:spPr>
-        <p:style>
-          <a:lnRef idx="2">
-            <a:schemeClr val="accent1">
-              <a:shade val="15000"/>
-            </a:schemeClr>
-          </a:lnRef>
-          <a:fillRef idx="1">
-            <a:schemeClr val="accent1"/>
-          </a:fillRef>
-          <a:effectRef idx="0">
-            <a:schemeClr val="accent1"/>
-          </a:effectRef>
-          <a:fontRef idx="minor">
-            <a:schemeClr val="lt1"/>
-          </a:fontRef>
-        </p:style>
-        <p:txBody>
-          <a:bodyPr rtlCol="0" anchor="ctr"/>
-          <a:lstStyle/>
-          <a:p>
-            <a:pPr algn="ctr"/>
-            <a:endParaRPr lang="en-US"/>
-          </a:p>
-        </p:txBody>
-      </p:sp>
-      <p:sp>
-        <p:nvSpPr>
-          <p:cNvPr id="16" name="TextBox 15">
-            <a:extLst>
-              <a:ext uri="{FF2B5EF4-FFF2-40B4-BE49-F238E27FC236}">
-                <a16:creationId xmlns:a16="http://schemas.microsoft.com/office/drawing/2014/main" id="{C4597F32-E131-D466-0D91-568C3A15F933}"/>
-              </a:ext>
-            </a:extLst>
-          </p:cNvPr>
-          <p:cNvSpPr txBox="1"/>
-          <p:nvPr/>
-        </p:nvSpPr>
-        <p:spPr>
-          <a:xfrm>
-            <a:off x="5421099" y="2552143"/>
-            <a:ext cx="661033" cy="400110"/>
-          </a:xfrm>
-          <a:prstGeom prst="rect">
-            <a:avLst/>
-          </a:prstGeom>
-          <a:noFill/>
-          <a:ln>
-            <a:noFill/>
-          </a:ln>
-        </p:spPr>
-        <p:txBody>
-          <a:bodyPr wrap="square" rtlCol="0" anchor="ctr">
-            <a:spAutoFit/>
-          </a:bodyPr>
-          <a:lstStyle/>
-          <a:p>
-            <a:pPr algn="ctr"/>
-            <a:r>
-              <a:rPr lang="en-US" sz="2000" b="1" dirty="0">
-                <a:solidFill>
-                  <a:srgbClr val="BC90AB"/>
-                </a:solidFill>
-                <a:latin typeface="Avenir Book" panose="02000503020000020003" pitchFamily="2" charset="0"/>
-              </a:rPr>
-              <a:t>^</a:t>
-            </a:r>
-            <a:endParaRPr lang="en-US" sz="2000" b="1" dirty="0">
-              <a:solidFill>
-                <a:srgbClr val="BC90AB"/>
-              </a:solidFill>
-              <a:latin typeface="Avenir Next Condensed" panose="020B0506020202020204" pitchFamily="34" charset="0"/>
-            </a:endParaRPr>
-          </a:p>
-        </p:txBody>
-      </p:sp>
-      <p:sp>
-        <p:nvSpPr>
-          <p:cNvPr id="17" name="TextBox 16">
-            <a:extLst>
-              <a:ext uri="{FF2B5EF4-FFF2-40B4-BE49-F238E27FC236}">
-                <a16:creationId xmlns:a16="http://schemas.microsoft.com/office/drawing/2014/main" id="{F4336D31-4264-20E7-0372-878DFC7AF90A}"/>
-              </a:ext>
-            </a:extLst>
-          </p:cNvPr>
-          <p:cNvSpPr txBox="1"/>
-          <p:nvPr/>
-        </p:nvSpPr>
-        <p:spPr>
-          <a:xfrm>
-            <a:off x="5841330" y="2312938"/>
-            <a:ext cx="661033" cy="400110"/>
-          </a:xfrm>
-          <a:prstGeom prst="rect">
-            <a:avLst/>
-          </a:prstGeom>
-          <a:noFill/>
-          <a:ln>
-            <a:noFill/>
-          </a:ln>
-        </p:spPr>
-        <p:txBody>
-          <a:bodyPr wrap="square" rtlCol="0" anchor="ctr">
-            <a:spAutoFit/>
-          </a:bodyPr>
-          <a:lstStyle/>
-          <a:p>
-            <a:pPr algn="ctr"/>
-            <a:r>
-              <a:rPr lang="en-US" sz="2000" b="1" dirty="0">
-                <a:solidFill>
-                  <a:srgbClr val="BC90AB"/>
-                </a:solidFill>
-                <a:latin typeface="Avenir Book" panose="02000503020000020003" pitchFamily="2" charset="0"/>
-              </a:rPr>
-              <a:t>^</a:t>
-            </a:r>
-            <a:endParaRPr lang="en-US" sz="2000" b="1" dirty="0">
-              <a:solidFill>
-                <a:srgbClr val="BC90AB"/>
-              </a:solidFill>
-              <a:latin typeface="Avenir Next Condensed" panose="020B0506020202020204" pitchFamily="34" charset="0"/>
-            </a:endParaRPr>
-          </a:p>
-        </p:txBody>
-      </p:sp>
-      <p:sp>
-        <p:nvSpPr>
-          <p:cNvPr id="20" name="Oval 19">
-            <a:extLst>
-              <a:ext uri="{FF2B5EF4-FFF2-40B4-BE49-F238E27FC236}">
-                <a16:creationId xmlns:a16="http://schemas.microsoft.com/office/drawing/2014/main" id="{01CEF112-1B67-F1EA-E6EC-CE9FB9143909}"/>
-              </a:ext>
-            </a:extLst>
-          </p:cNvPr>
-          <p:cNvSpPr>
-            <a:spLocks noChangeAspect="1"/>
-          </p:cNvSpPr>
-          <p:nvPr/>
-        </p:nvSpPr>
-        <p:spPr>
-          <a:xfrm>
-            <a:off x="9476406" y="1315776"/>
-            <a:ext cx="274320" cy="274320"/>
-          </a:xfrm>
-          <a:prstGeom prst="ellipse">
-            <a:avLst/>
-          </a:prstGeom>
-          <a:solidFill>
-            <a:schemeClr val="bg1"/>
-          </a:solidFill>
-          <a:ln w="38100">
-            <a:solidFill>
-              <a:schemeClr val="tx1"/>
-            </a:solidFill>
-          </a:ln>
-        </p:spPr>
-        <p:style>
-          <a:lnRef idx="2">
-            <a:schemeClr val="accent1">
-              <a:shade val="15000"/>
-            </a:schemeClr>
-          </a:lnRef>
-          <a:fillRef idx="1">
-            <a:schemeClr val="accent1"/>
-          </a:fillRef>
-          <a:effectRef idx="0">
-            <a:schemeClr val="accent1"/>
-          </a:effectRef>
-          <a:fontRef idx="minor">
-            <a:schemeClr val="lt1"/>
-          </a:fontRef>
-        </p:style>
-        <p:txBody>
-          <a:bodyPr rtlCol="0" anchor="ctr"/>
-          <a:lstStyle/>
-          <a:p>
-            <a:pPr algn="ctr"/>
-            <a:endParaRPr lang="en-US"/>
-          </a:p>
-        </p:txBody>
-      </p:sp>
-      <p:sp>
-        <p:nvSpPr>
-          <p:cNvPr id="22" name="Oval 21">
-            <a:extLst>
-              <a:ext uri="{FF2B5EF4-FFF2-40B4-BE49-F238E27FC236}">
-                <a16:creationId xmlns:a16="http://schemas.microsoft.com/office/drawing/2014/main" id="{BD2F5DA1-6C77-53D1-D6D1-82657BF49913}"/>
-              </a:ext>
-            </a:extLst>
-          </p:cNvPr>
-          <p:cNvSpPr>
-            <a:spLocks noChangeAspect="1"/>
-          </p:cNvSpPr>
-          <p:nvPr/>
-        </p:nvSpPr>
-        <p:spPr>
-          <a:xfrm>
-            <a:off x="9899394" y="1269426"/>
-            <a:ext cx="274320" cy="274320"/>
-          </a:xfrm>
-          <a:prstGeom prst="ellipse">
-            <a:avLst/>
-          </a:prstGeom>
-          <a:solidFill>
-            <a:schemeClr val="bg1"/>
-          </a:solidFill>
-          <a:ln w="38100">
-            <a:solidFill>
-              <a:schemeClr val="tx1"/>
-            </a:solidFill>
-          </a:ln>
-        </p:spPr>
-        <p:style>
-          <a:lnRef idx="2">
-            <a:schemeClr val="accent1">
-              <a:shade val="15000"/>
-            </a:schemeClr>
-          </a:lnRef>
-          <a:fillRef idx="1">
-            <a:schemeClr val="accent1"/>
-          </a:fillRef>
-          <a:effectRef idx="0">
-            <a:schemeClr val="accent1"/>
-          </a:effectRef>
-          <a:fontRef idx="minor">
-            <a:schemeClr val="lt1"/>
-          </a:fontRef>
-        </p:style>
-        <p:txBody>
-          <a:bodyPr rtlCol="0" anchor="ctr"/>
-          <a:lstStyle/>
-          <a:p>
-            <a:pPr algn="ctr"/>
-            <a:endParaRPr lang="en-US"/>
-          </a:p>
-        </p:txBody>
-      </p:sp>
-      <p:sp>
-        <p:nvSpPr>
-          <p:cNvPr id="14" name="TextBox 13">
-            <a:extLst>
-              <a:ext uri="{FF2B5EF4-FFF2-40B4-BE49-F238E27FC236}">
-                <a16:creationId xmlns:a16="http://schemas.microsoft.com/office/drawing/2014/main" id="{4CA85B26-CD82-25C5-A97F-623539492E50}"/>
-              </a:ext>
-            </a:extLst>
-          </p:cNvPr>
-          <p:cNvSpPr txBox="1"/>
-          <p:nvPr/>
-        </p:nvSpPr>
-        <p:spPr>
-          <a:xfrm>
-            <a:off x="9711788" y="1269426"/>
-            <a:ext cx="661033" cy="400110"/>
-          </a:xfrm>
-          <a:prstGeom prst="rect">
-            <a:avLst/>
-          </a:prstGeom>
-          <a:noFill/>
-          <a:ln>
-            <a:noFill/>
-          </a:ln>
-        </p:spPr>
-        <p:txBody>
-          <a:bodyPr wrap="square" rtlCol="0" anchor="ctr">
-            <a:spAutoFit/>
-          </a:bodyPr>
-          <a:lstStyle/>
-          <a:p>
-            <a:pPr algn="ctr"/>
-            <a:r>
-              <a:rPr lang="en-US" sz="2000" b="1" dirty="0">
-                <a:solidFill>
-                  <a:srgbClr val="553262"/>
-                </a:solidFill>
-                <a:latin typeface="Avenir Book" panose="02000503020000020003" pitchFamily="2" charset="0"/>
-              </a:rPr>
-              <a:t>*</a:t>
-            </a:r>
-            <a:endParaRPr lang="en-US" sz="2000" b="1" dirty="0">
-              <a:solidFill>
-                <a:srgbClr val="553262"/>
-              </a:solidFill>
-              <a:latin typeface="Avenir Next Condensed" panose="020B0506020202020204" pitchFamily="34" charset="0"/>
-            </a:endParaRPr>
-          </a:p>
-        </p:txBody>
-      </p:sp>
-      <p:sp>
-        <p:nvSpPr>
-          <p:cNvPr id="15" name="TextBox 14">
-            <a:extLst>
-              <a:ext uri="{FF2B5EF4-FFF2-40B4-BE49-F238E27FC236}">
-                <a16:creationId xmlns:a16="http://schemas.microsoft.com/office/drawing/2014/main" id="{DF2A0387-6181-A634-5DF4-7D0EB3537CAA}"/>
-              </a:ext>
-            </a:extLst>
-          </p:cNvPr>
-          <p:cNvSpPr txBox="1"/>
-          <p:nvPr/>
-        </p:nvSpPr>
-        <p:spPr>
-          <a:xfrm>
-            <a:off x="9286875" y="1290145"/>
-            <a:ext cx="661033" cy="400110"/>
-          </a:xfrm>
-          <a:prstGeom prst="rect">
-            <a:avLst/>
-          </a:prstGeom>
-          <a:noFill/>
-          <a:ln>
-            <a:noFill/>
-          </a:ln>
-        </p:spPr>
-        <p:txBody>
-          <a:bodyPr wrap="square" rtlCol="0" anchor="ctr">
-            <a:spAutoFit/>
-          </a:bodyPr>
-          <a:lstStyle/>
-          <a:p>
-            <a:pPr algn="ctr"/>
-            <a:r>
-              <a:rPr lang="en-US" sz="2000" b="1" dirty="0">
-                <a:solidFill>
-                  <a:srgbClr val="553262"/>
-                </a:solidFill>
-                <a:latin typeface="Avenir Book" panose="02000503020000020003" pitchFamily="2" charset="0"/>
-              </a:rPr>
-              <a:t>^</a:t>
-            </a:r>
-            <a:endParaRPr lang="en-US" sz="2000" b="1" dirty="0">
-              <a:solidFill>
-                <a:srgbClr val="553262"/>
-              </a:solidFill>
-              <a:latin typeface="Avenir Next Condensed" panose="020B0506020202020204" pitchFamily="34" charset="0"/>
-            </a:endParaRPr>
-          </a:p>
-        </p:txBody>
-      </p:sp>
-      <p:sp>
-        <p:nvSpPr>
-          <p:cNvPr id="25" name="Oval 24">
-            <a:extLst>
-              <a:ext uri="{FF2B5EF4-FFF2-40B4-BE49-F238E27FC236}">
-                <a16:creationId xmlns:a16="http://schemas.microsoft.com/office/drawing/2014/main" id="{0D7BD15F-FE4D-CA42-07B7-2FAD9542DC21}"/>
-              </a:ext>
-            </a:extLst>
-          </p:cNvPr>
-          <p:cNvSpPr>
-            <a:spLocks noChangeAspect="1"/>
-          </p:cNvSpPr>
-          <p:nvPr/>
-        </p:nvSpPr>
-        <p:spPr>
-          <a:xfrm>
-            <a:off x="7535624" y="2001843"/>
-            <a:ext cx="274320" cy="274320"/>
-          </a:xfrm>
-          <a:prstGeom prst="ellipse">
-            <a:avLst/>
-          </a:prstGeom>
-          <a:solidFill>
-            <a:schemeClr val="bg1"/>
-          </a:solidFill>
-          <a:ln w="38100">
-            <a:solidFill>
-              <a:schemeClr val="tx1"/>
-            </a:solidFill>
-          </a:ln>
-        </p:spPr>
-        <p:style>
-          <a:lnRef idx="2">
-            <a:schemeClr val="accent1">
-              <a:shade val="15000"/>
-            </a:schemeClr>
-          </a:lnRef>
-          <a:fillRef idx="1">
-            <a:schemeClr val="accent1"/>
-          </a:fillRef>
-          <a:effectRef idx="0">
-            <a:schemeClr val="accent1"/>
-          </a:effectRef>
-          <a:fontRef idx="minor">
-            <a:schemeClr val="lt1"/>
-          </a:fontRef>
-        </p:style>
-        <p:txBody>
-          <a:bodyPr rtlCol="0" anchor="ctr"/>
-          <a:lstStyle/>
-          <a:p>
-            <a:pPr algn="ctr"/>
-            <a:endParaRPr lang="en-US"/>
-          </a:p>
-        </p:txBody>
-      </p:sp>
-      <p:sp>
-        <p:nvSpPr>
-          <p:cNvPr id="26" name="TextBox 25">
-            <a:extLst>
-              <a:ext uri="{FF2B5EF4-FFF2-40B4-BE49-F238E27FC236}">
-                <a16:creationId xmlns:a16="http://schemas.microsoft.com/office/drawing/2014/main" id="{46A1CE20-AF42-1C52-D342-16049F09E8D0}"/>
-              </a:ext>
-            </a:extLst>
-          </p:cNvPr>
-          <p:cNvSpPr txBox="1"/>
-          <p:nvPr/>
-        </p:nvSpPr>
-        <p:spPr>
-          <a:xfrm>
-            <a:off x="7348323" y="2027611"/>
-            <a:ext cx="661033" cy="215444"/>
-          </a:xfrm>
-          <a:prstGeom prst="rect">
-            <a:avLst/>
-          </a:prstGeom>
-          <a:noFill/>
-          <a:ln>
-            <a:noFill/>
-          </a:ln>
-        </p:spPr>
-        <p:txBody>
-          <a:bodyPr wrap="square" rtlCol="0" anchor="ctr">
-            <a:spAutoFit/>
-          </a:bodyPr>
-          <a:lstStyle/>
-          <a:p>
-            <a:pPr algn="ctr"/>
-            <a:r>
-              <a:rPr lang="en-US" sz="800" b="1" i="1" dirty="0" err="1">
-                <a:solidFill>
-                  <a:srgbClr val="96587D"/>
-                </a:solidFill>
-                <a:latin typeface="Avenir Book" panose="02000503020000020003" pitchFamily="2" charset="0"/>
-              </a:rPr>
-              <a:t>n.s</a:t>
-            </a:r>
-            <a:r>
-              <a:rPr lang="en-US" sz="800" b="1" i="1" dirty="0">
-                <a:solidFill>
-                  <a:srgbClr val="96587D"/>
-                </a:solidFill>
-                <a:latin typeface="Avenir Book" panose="02000503020000020003" pitchFamily="2" charset="0"/>
-              </a:rPr>
-              <a:t>.</a:t>
-            </a:r>
-            <a:endParaRPr lang="en-US" sz="800" b="1" i="1" dirty="0">
-              <a:solidFill>
-                <a:srgbClr val="96587D"/>
-              </a:solidFill>
-              <a:latin typeface="Avenir Next Condensed" panose="020B0506020202020204" pitchFamily="34" charset="0"/>
-            </a:endParaRPr>
-          </a:p>
-        </p:txBody>
-      </p:sp>
-      <p:sp>
-        <p:nvSpPr>
-          <p:cNvPr id="27" name="Oval 26">
-            <a:extLst>
-              <a:ext uri="{FF2B5EF4-FFF2-40B4-BE49-F238E27FC236}">
-                <a16:creationId xmlns:a16="http://schemas.microsoft.com/office/drawing/2014/main" id="{0C83AD8D-53ED-946F-A2FA-2B89C87C03DD}"/>
-              </a:ext>
-            </a:extLst>
-          </p:cNvPr>
-          <p:cNvSpPr>
-            <a:spLocks noChangeAspect="1"/>
-          </p:cNvSpPr>
-          <p:nvPr/>
-        </p:nvSpPr>
-        <p:spPr>
-          <a:xfrm>
-            <a:off x="7971903" y="1944266"/>
-            <a:ext cx="274320" cy="274320"/>
-          </a:xfrm>
-          <a:prstGeom prst="ellipse">
-            <a:avLst/>
-          </a:prstGeom>
-          <a:solidFill>
-            <a:schemeClr val="bg1"/>
-          </a:solidFill>
-          <a:ln w="38100">
-            <a:solidFill>
-              <a:schemeClr val="tx1"/>
-            </a:solidFill>
-          </a:ln>
-        </p:spPr>
-        <p:style>
-          <a:lnRef idx="2">
-            <a:schemeClr val="accent1">
-              <a:shade val="15000"/>
-            </a:schemeClr>
-          </a:lnRef>
-          <a:fillRef idx="1">
-            <a:schemeClr val="accent1"/>
-          </a:fillRef>
-          <a:effectRef idx="0">
-            <a:schemeClr val="accent1"/>
-          </a:effectRef>
-          <a:fontRef idx="minor">
-            <a:schemeClr val="lt1"/>
-          </a:fontRef>
-        </p:style>
-        <p:txBody>
-          <a:bodyPr rtlCol="0" anchor="ctr"/>
-          <a:lstStyle/>
-          <a:p>
-            <a:pPr algn="ctr"/>
-            <a:endParaRPr lang="en-US"/>
-          </a:p>
-        </p:txBody>
-      </p:sp>
-      <p:sp>
-        <p:nvSpPr>
-          <p:cNvPr id="28" name="TextBox 27">
-            <a:extLst>
-              <a:ext uri="{FF2B5EF4-FFF2-40B4-BE49-F238E27FC236}">
-                <a16:creationId xmlns:a16="http://schemas.microsoft.com/office/drawing/2014/main" id="{38B1F2F8-E7FC-66E0-7826-8686F2B92BD6}"/>
-              </a:ext>
-            </a:extLst>
-          </p:cNvPr>
-          <p:cNvSpPr txBox="1"/>
-          <p:nvPr/>
-        </p:nvSpPr>
-        <p:spPr>
-          <a:xfrm>
-            <a:off x="7784602" y="1970034"/>
-            <a:ext cx="661033" cy="215444"/>
-          </a:xfrm>
-          <a:prstGeom prst="rect">
-            <a:avLst/>
-          </a:prstGeom>
-          <a:noFill/>
-          <a:ln>
-            <a:noFill/>
-          </a:ln>
-        </p:spPr>
-        <p:txBody>
-          <a:bodyPr wrap="square" rtlCol="0" anchor="ctr">
-            <a:spAutoFit/>
-          </a:bodyPr>
-          <a:lstStyle/>
-          <a:p>
-            <a:pPr algn="ctr"/>
-            <a:r>
-              <a:rPr lang="en-US" sz="800" b="1" i="1" dirty="0" err="1">
-                <a:solidFill>
-                  <a:srgbClr val="96587D"/>
-                </a:solidFill>
-                <a:latin typeface="Avenir Book" panose="02000503020000020003" pitchFamily="2" charset="0"/>
-              </a:rPr>
-              <a:t>n.s</a:t>
-            </a:r>
-            <a:r>
-              <a:rPr lang="en-US" sz="800" b="1" i="1" dirty="0">
-                <a:solidFill>
-                  <a:srgbClr val="96587D"/>
-                </a:solidFill>
-                <a:latin typeface="Avenir Book" panose="02000503020000020003" pitchFamily="2" charset="0"/>
-              </a:rPr>
-              <a:t>.</a:t>
-            </a:r>
-            <a:endParaRPr lang="en-US" sz="800" b="1" i="1" dirty="0">
-              <a:solidFill>
-                <a:srgbClr val="96587D"/>
-              </a:solidFill>
-              <a:latin typeface="Avenir Next Condensed" panose="020B0506020202020204" pitchFamily="34" charset="0"/>
-            </a:endParaRPr>
+              <a:t>B.</a:t>
+            </a:r>
           </a:p>
         </p:txBody>
       </p:sp>
     </p:spTree>
     <p:extLst>
       <p:ext uri="{BB962C8B-B14F-4D97-AF65-F5344CB8AC3E}">
-        <p14:creationId xmlns:p14="http://schemas.microsoft.com/office/powerpoint/2010/main" val="3671816227"/>
+        <p14:creationId xmlns:p14="http://schemas.microsoft.com/office/powerpoint/2010/main" val="554590486"/>
       </p:ext>
     </p:extLst>
   </p:cSld>
@@ -5665,10 +5194,10 @@
       </p:grpSpPr>
       <p:pic>
         <p:nvPicPr>
-          <p:cNvPr id="3" name="Picture 2" descr="A graph of different colored lines&#10;&#10;Description automatically generated">
-            <a:extLst>
-              <a:ext uri="{FF2B5EF4-FFF2-40B4-BE49-F238E27FC236}">
-                <a16:creationId xmlns:a16="http://schemas.microsoft.com/office/drawing/2014/main" id="{22CE96DF-5BC0-5D6C-9D2D-7C8286A33D24}"/>
+          <p:cNvPr id="3" name="Picture 2">
+            <a:extLst>
+              <a:ext uri="{FF2B5EF4-FFF2-40B4-BE49-F238E27FC236}">
+                <a16:creationId xmlns:a16="http://schemas.microsoft.com/office/drawing/2014/main" id="{4E8505C6-299F-642A-3043-AB36555F0FF0}"/>
               </a:ext>
             </a:extLst>
           </p:cNvPr>
@@ -5679,56 +5208,25 @@
         </p:nvPicPr>
         <p:blipFill>
           <a:blip r:embed="rId2"/>
-          <a:stretch>
-            <a:fillRect/>
-          </a:stretch>
+          <a:srcRect/>
+          <a:stretch/>
         </p:blipFill>
         <p:spPr>
           <a:xfrm>
-            <a:off x="2285998" y="228600"/>
-            <a:ext cx="4572000" cy="6400800"/>
+            <a:off x="4024860" y="307300"/>
+            <a:ext cx="6400800" cy="6400800"/>
           </a:xfrm>
           <a:prstGeom prst="rect">
             <a:avLst/>
           </a:prstGeom>
         </p:spPr>
       </p:pic>
-      <p:pic>
-        <p:nvPicPr>
-          <p:cNvPr id="5" name="Picture 4" descr="A graph of different stages of reaction&#10;&#10;Description automatically generated with medium confidence">
-            <a:extLst>
-              <a:ext uri="{FF2B5EF4-FFF2-40B4-BE49-F238E27FC236}">
-                <a16:creationId xmlns:a16="http://schemas.microsoft.com/office/drawing/2014/main" id="{B4BCDD74-7010-458E-4FD5-061F8F463EE2}"/>
-              </a:ext>
-            </a:extLst>
-          </p:cNvPr>
-          <p:cNvPicPr>
-            <a:picLocks noChangeAspect="1"/>
-          </p:cNvPicPr>
-          <p:nvPr/>
-        </p:nvPicPr>
-        <p:blipFill>
-          <a:blip r:embed="rId3"/>
-          <a:stretch>
-            <a:fillRect/>
-          </a:stretch>
-        </p:blipFill>
-        <p:spPr>
-          <a:xfrm>
-            <a:off x="6857998" y="228600"/>
-            <a:ext cx="6400800" cy="6400800"/>
-          </a:xfrm>
-          <a:prstGeom prst="rect">
-            <a:avLst/>
-          </a:prstGeom>
-        </p:spPr>
-      </p:pic>
-      <p:sp>
-        <p:nvSpPr>
-          <p:cNvPr id="8" name="TextBox 7">
-            <a:extLst>
-              <a:ext uri="{FF2B5EF4-FFF2-40B4-BE49-F238E27FC236}">
-                <a16:creationId xmlns:a16="http://schemas.microsoft.com/office/drawing/2014/main" id="{1E03811B-B8C8-7B9F-EBBD-E7AF9DE792BE}"/>
+      <p:sp>
+        <p:nvSpPr>
+          <p:cNvPr id="2" name="TextBox 1">
+            <a:extLst>
+              <a:ext uri="{FF2B5EF4-FFF2-40B4-BE49-F238E27FC236}">
+                <a16:creationId xmlns:a16="http://schemas.microsoft.com/office/drawing/2014/main" id="{B8BFE404-EBF0-C7E7-0829-6ABA2E896C51}"/>
               </a:ext>
             </a:extLst>
           </p:cNvPr>
@@ -5737,35 +5235,44 @@
         </p:nvSpPr>
         <p:spPr>
           <a:xfrm>
-            <a:off x="2285999" y="-29529"/>
-            <a:ext cx="494046" cy="461665"/>
-          </a:xfrm>
-          <a:prstGeom prst="rect">
-            <a:avLst/>
-          </a:prstGeom>
-          <a:noFill/>
-        </p:spPr>
-        <p:txBody>
-          <a:bodyPr wrap="none" rtlCol="0">
+            <a:off x="5453980" y="5091401"/>
+            <a:ext cx="394968" cy="215444"/>
+          </a:xfrm>
+          <a:prstGeom prst="rect">
+            <a:avLst/>
+          </a:prstGeom>
+          <a:solidFill>
+            <a:srgbClr val="BC90AB"/>
+          </a:solidFill>
+          <a:ln w="38100">
+            <a:noFill/>
+          </a:ln>
+        </p:spPr>
+        <p:txBody>
+          <a:bodyPr wrap="square" rtlCol="0">
             <a:spAutoFit/>
           </a:bodyPr>
           <a:lstStyle/>
           <a:p>
-            <a:r>
-              <a:rPr lang="en-US" sz="2400" b="1" dirty="0">
+            <a:pPr algn="ctr"/>
+            <a:r>
+              <a:rPr lang="en-US" sz="800" b="1" dirty="0">
+                <a:solidFill>
+                  <a:schemeClr val="bg1"/>
+                </a:solidFill>
                 <a:latin typeface="Avenir Book" panose="02000503020000020003" pitchFamily="2" charset="0"/>
               </a:rPr>
-              <a:t>A.</a:t>
-            </a:r>
-          </a:p>
-        </p:txBody>
-      </p:sp>
-      <p:sp>
-        <p:nvSpPr>
-          <p:cNvPr id="10" name="TextBox 9">
-            <a:extLst>
-              <a:ext uri="{FF2B5EF4-FFF2-40B4-BE49-F238E27FC236}">
-                <a16:creationId xmlns:a16="http://schemas.microsoft.com/office/drawing/2014/main" id="{66A56D52-2C92-FCAB-6BF9-D52DF77FD176}"/>
+              <a:t>10.5</a:t>
+            </a:r>
+          </a:p>
+        </p:txBody>
+      </p:sp>
+      <p:sp>
+        <p:nvSpPr>
+          <p:cNvPr id="5" name="TextBox 4">
+            <a:extLst>
+              <a:ext uri="{FF2B5EF4-FFF2-40B4-BE49-F238E27FC236}">
+                <a16:creationId xmlns:a16="http://schemas.microsoft.com/office/drawing/2014/main" id="{1C37D649-CE5E-B98C-841A-12DE431501CD}"/>
               </a:ext>
             </a:extLst>
           </p:cNvPr>
@@ -5774,62 +5281,880 @@
         </p:nvSpPr>
         <p:spPr>
           <a:xfrm>
-            <a:off x="6838788" y="-29530"/>
-            <a:ext cx="476412" cy="461665"/>
-          </a:xfrm>
-          <a:prstGeom prst="rect">
-            <a:avLst/>
-          </a:prstGeom>
-          <a:noFill/>
-        </p:spPr>
-        <p:txBody>
-          <a:bodyPr wrap="none" rtlCol="0">
+            <a:off x="5886656" y="5091401"/>
+            <a:ext cx="394968" cy="215444"/>
+          </a:xfrm>
+          <a:prstGeom prst="rect">
+            <a:avLst/>
+          </a:prstGeom>
+          <a:solidFill>
+            <a:srgbClr val="BC90AB"/>
+          </a:solidFill>
+          <a:ln w="38100">
+            <a:noFill/>
+          </a:ln>
+        </p:spPr>
+        <p:txBody>
+          <a:bodyPr wrap="square" rtlCol="0">
             <a:spAutoFit/>
           </a:bodyPr>
           <a:lstStyle/>
           <a:p>
-            <a:r>
-              <a:rPr lang="en-US" sz="2400" b="1" dirty="0">
+            <a:pPr algn="ctr"/>
+            <a:r>
+              <a:rPr lang="en-US" sz="800" b="1" dirty="0">
+                <a:solidFill>
+                  <a:schemeClr val="bg1"/>
+                </a:solidFill>
                 <a:latin typeface="Avenir Book" panose="02000503020000020003" pitchFamily="2" charset="0"/>
               </a:rPr>
-              <a:t>B.</a:t>
-            </a:r>
-          </a:p>
-        </p:txBody>
-      </p:sp>
-      <p:pic>
-        <p:nvPicPr>
-          <p:cNvPr id="11" name="Picture 10" descr="A graph of different colored lines&#10;&#10;Description automatically generated">
-            <a:extLst>
-              <a:ext uri="{FF2B5EF4-FFF2-40B4-BE49-F238E27FC236}">
-                <a16:creationId xmlns:a16="http://schemas.microsoft.com/office/drawing/2014/main" id="{6F5320C5-1D26-0404-4F69-D4F7A3684A42}"/>
-              </a:ext>
-            </a:extLst>
-          </p:cNvPr>
-          <p:cNvPicPr>
-            <a:picLocks noChangeAspect="1"/>
-          </p:cNvPicPr>
-          <p:nvPr/>
-        </p:nvPicPr>
-        <p:blipFill rotWithShape="1">
-          <a:blip r:embed="rId2"/>
-          <a:srcRect t="90152"/>
-          <a:stretch/>
-        </p:blipFill>
-        <p:spPr>
-          <a:xfrm>
-            <a:off x="7772402" y="5999018"/>
-            <a:ext cx="4572000" cy="630382"/>
-          </a:xfrm>
-          <a:prstGeom prst="rect">
-            <a:avLst/>
-          </a:prstGeom>
-        </p:spPr>
-      </p:pic>
+              <a:t>11.5</a:t>
+            </a:r>
+          </a:p>
+        </p:txBody>
+      </p:sp>
+      <p:sp>
+        <p:nvSpPr>
+          <p:cNvPr id="6" name="TextBox 5">
+            <a:extLst>
+              <a:ext uri="{FF2B5EF4-FFF2-40B4-BE49-F238E27FC236}">
+                <a16:creationId xmlns:a16="http://schemas.microsoft.com/office/drawing/2014/main" id="{72D3EF16-9B60-5206-D42F-30D2F753C6EE}"/>
+              </a:ext>
+            </a:extLst>
+          </p:cNvPr>
+          <p:cNvSpPr txBox="1"/>
+          <p:nvPr/>
+        </p:nvSpPr>
+        <p:spPr>
+          <a:xfrm>
+            <a:off x="7397472" y="5091401"/>
+            <a:ext cx="394968" cy="215444"/>
+          </a:xfrm>
+          <a:prstGeom prst="rect">
+            <a:avLst/>
+          </a:prstGeom>
+          <a:solidFill>
+            <a:srgbClr val="96587D"/>
+          </a:solidFill>
+          <a:ln w="38100">
+            <a:noFill/>
+          </a:ln>
+        </p:spPr>
+        <p:txBody>
+          <a:bodyPr wrap="square" rtlCol="0">
+            <a:spAutoFit/>
+          </a:bodyPr>
+          <a:lstStyle/>
+          <a:p>
+            <a:pPr algn="ctr"/>
+            <a:r>
+              <a:rPr lang="en-US" sz="800" b="1" dirty="0">
+                <a:solidFill>
+                  <a:schemeClr val="bg1"/>
+                </a:solidFill>
+                <a:latin typeface="Avenir Book" panose="02000503020000020003" pitchFamily="2" charset="0"/>
+              </a:rPr>
+              <a:t>15</a:t>
+            </a:r>
+          </a:p>
+        </p:txBody>
+      </p:sp>
+      <p:sp>
+        <p:nvSpPr>
+          <p:cNvPr id="7" name="TextBox 6">
+            <a:extLst>
+              <a:ext uri="{FF2B5EF4-FFF2-40B4-BE49-F238E27FC236}">
+                <a16:creationId xmlns:a16="http://schemas.microsoft.com/office/drawing/2014/main" id="{0D02E7BE-5A28-372C-CFAF-AE3877878617}"/>
+              </a:ext>
+            </a:extLst>
+          </p:cNvPr>
+          <p:cNvSpPr txBox="1"/>
+          <p:nvPr/>
+        </p:nvSpPr>
+        <p:spPr>
+          <a:xfrm>
+            <a:off x="7830148" y="5091401"/>
+            <a:ext cx="394968" cy="215444"/>
+          </a:xfrm>
+          <a:prstGeom prst="rect">
+            <a:avLst/>
+          </a:prstGeom>
+          <a:solidFill>
+            <a:srgbClr val="96587D"/>
+          </a:solidFill>
+          <a:ln w="38100">
+            <a:noFill/>
+          </a:ln>
+        </p:spPr>
+        <p:txBody>
+          <a:bodyPr wrap="square" rtlCol="0">
+            <a:spAutoFit/>
+          </a:bodyPr>
+          <a:lstStyle/>
+          <a:p>
+            <a:pPr algn="ctr"/>
+            <a:r>
+              <a:rPr lang="en-US" sz="800" b="1" dirty="0">
+                <a:solidFill>
+                  <a:schemeClr val="bg1"/>
+                </a:solidFill>
+                <a:latin typeface="Avenir Book" panose="02000503020000020003" pitchFamily="2" charset="0"/>
+              </a:rPr>
+              <a:t>16</a:t>
+            </a:r>
+          </a:p>
+        </p:txBody>
+      </p:sp>
+      <p:sp>
+        <p:nvSpPr>
+          <p:cNvPr id="10" name="TextBox 9">
+            <a:extLst>
+              <a:ext uri="{FF2B5EF4-FFF2-40B4-BE49-F238E27FC236}">
+                <a16:creationId xmlns:a16="http://schemas.microsoft.com/office/drawing/2014/main" id="{885AB619-ECF6-57A1-001C-9582E4995FEA}"/>
+              </a:ext>
+            </a:extLst>
+          </p:cNvPr>
+          <p:cNvSpPr txBox="1"/>
+          <p:nvPr/>
+        </p:nvSpPr>
+        <p:spPr>
+          <a:xfrm>
+            <a:off x="9329968" y="5091401"/>
+            <a:ext cx="394968" cy="215444"/>
+          </a:xfrm>
+          <a:prstGeom prst="rect">
+            <a:avLst/>
+          </a:prstGeom>
+          <a:solidFill>
+            <a:srgbClr val="553262"/>
+          </a:solidFill>
+          <a:ln w="38100">
+            <a:noFill/>
+          </a:ln>
+        </p:spPr>
+        <p:txBody>
+          <a:bodyPr wrap="square" rtlCol="0">
+            <a:spAutoFit/>
+          </a:bodyPr>
+          <a:lstStyle/>
+          <a:p>
+            <a:pPr algn="ctr"/>
+            <a:r>
+              <a:rPr lang="en-US" sz="800" b="1" dirty="0">
+                <a:solidFill>
+                  <a:schemeClr val="bg1"/>
+                </a:solidFill>
+                <a:latin typeface="Avenir Book" panose="02000503020000020003" pitchFamily="2" charset="0"/>
+              </a:rPr>
+              <a:t>19.5</a:t>
+            </a:r>
+          </a:p>
+        </p:txBody>
+      </p:sp>
+      <p:sp>
+        <p:nvSpPr>
+          <p:cNvPr id="11" name="TextBox 10">
+            <a:extLst>
+              <a:ext uri="{FF2B5EF4-FFF2-40B4-BE49-F238E27FC236}">
+                <a16:creationId xmlns:a16="http://schemas.microsoft.com/office/drawing/2014/main" id="{7FD17B46-DA5B-B584-F759-98E24755DA39}"/>
+              </a:ext>
+            </a:extLst>
+          </p:cNvPr>
+          <p:cNvSpPr txBox="1"/>
+          <p:nvPr/>
+        </p:nvSpPr>
+        <p:spPr>
+          <a:xfrm>
+            <a:off x="9762644" y="5091401"/>
+            <a:ext cx="394968" cy="215444"/>
+          </a:xfrm>
+          <a:prstGeom prst="rect">
+            <a:avLst/>
+          </a:prstGeom>
+          <a:solidFill>
+            <a:srgbClr val="553262"/>
+          </a:solidFill>
+          <a:ln w="38100">
+            <a:noFill/>
+          </a:ln>
+        </p:spPr>
+        <p:txBody>
+          <a:bodyPr wrap="square" rtlCol="0">
+            <a:spAutoFit/>
+          </a:bodyPr>
+          <a:lstStyle/>
+          <a:p>
+            <a:pPr algn="ctr"/>
+            <a:r>
+              <a:rPr lang="en-US" sz="800" b="1" dirty="0">
+                <a:solidFill>
+                  <a:schemeClr val="bg1"/>
+                </a:solidFill>
+                <a:latin typeface="Avenir Book" panose="02000503020000020003" pitchFamily="2" charset="0"/>
+              </a:rPr>
+              <a:t>20.5</a:t>
+            </a:r>
+          </a:p>
+        </p:txBody>
+      </p:sp>
+      <p:sp>
+        <p:nvSpPr>
+          <p:cNvPr id="18" name="Oval 17">
+            <a:extLst>
+              <a:ext uri="{FF2B5EF4-FFF2-40B4-BE49-F238E27FC236}">
+                <a16:creationId xmlns:a16="http://schemas.microsoft.com/office/drawing/2014/main" id="{9521D179-8734-6FC7-E276-0113DF3C062C}"/>
+              </a:ext>
+            </a:extLst>
+          </p:cNvPr>
+          <p:cNvSpPr>
+            <a:spLocks noChangeAspect="1"/>
+          </p:cNvSpPr>
+          <p:nvPr/>
+        </p:nvSpPr>
+        <p:spPr>
+          <a:xfrm>
+            <a:off x="5523300" y="2420389"/>
+            <a:ext cx="274320" cy="274320"/>
+          </a:xfrm>
+          <a:prstGeom prst="ellipse">
+            <a:avLst/>
+          </a:prstGeom>
+          <a:solidFill>
+            <a:schemeClr val="bg1"/>
+          </a:solidFill>
+          <a:ln w="38100">
+            <a:solidFill>
+              <a:schemeClr val="tx1"/>
+            </a:solidFill>
+          </a:ln>
+        </p:spPr>
+        <p:style>
+          <a:lnRef idx="2">
+            <a:schemeClr val="accent1">
+              <a:shade val="15000"/>
+            </a:schemeClr>
+          </a:lnRef>
+          <a:fillRef idx="1">
+            <a:schemeClr val="accent1"/>
+          </a:fillRef>
+          <a:effectRef idx="0">
+            <a:schemeClr val="accent1"/>
+          </a:effectRef>
+          <a:fontRef idx="minor">
+            <a:schemeClr val="lt1"/>
+          </a:fontRef>
+        </p:style>
+        <p:txBody>
+          <a:bodyPr rtlCol="0" anchor="ctr"/>
+          <a:lstStyle/>
+          <a:p>
+            <a:pPr algn="ctr"/>
+            <a:endParaRPr lang="en-US"/>
+          </a:p>
+        </p:txBody>
+      </p:sp>
+      <p:sp>
+        <p:nvSpPr>
+          <p:cNvPr id="19" name="Oval 18">
+            <a:extLst>
+              <a:ext uri="{FF2B5EF4-FFF2-40B4-BE49-F238E27FC236}">
+                <a16:creationId xmlns:a16="http://schemas.microsoft.com/office/drawing/2014/main" id="{434B3AFF-0A60-05DE-8043-846D2AB4BF61}"/>
+              </a:ext>
+            </a:extLst>
+          </p:cNvPr>
+          <p:cNvSpPr>
+            <a:spLocks noChangeAspect="1"/>
+          </p:cNvSpPr>
+          <p:nvPr/>
+        </p:nvSpPr>
+        <p:spPr>
+          <a:xfrm>
+            <a:off x="5940105" y="2182676"/>
+            <a:ext cx="274320" cy="274320"/>
+          </a:xfrm>
+          <a:prstGeom prst="ellipse">
+            <a:avLst/>
+          </a:prstGeom>
+          <a:solidFill>
+            <a:schemeClr val="bg1"/>
+          </a:solidFill>
+          <a:ln w="38100">
+            <a:solidFill>
+              <a:schemeClr val="tx1"/>
+            </a:solidFill>
+          </a:ln>
+        </p:spPr>
+        <p:style>
+          <a:lnRef idx="2">
+            <a:schemeClr val="accent1">
+              <a:shade val="15000"/>
+            </a:schemeClr>
+          </a:lnRef>
+          <a:fillRef idx="1">
+            <a:schemeClr val="accent1"/>
+          </a:fillRef>
+          <a:effectRef idx="0">
+            <a:schemeClr val="accent1"/>
+          </a:effectRef>
+          <a:fontRef idx="minor">
+            <a:schemeClr val="lt1"/>
+          </a:fontRef>
+        </p:style>
+        <p:txBody>
+          <a:bodyPr rtlCol="0" anchor="ctr"/>
+          <a:lstStyle/>
+          <a:p>
+            <a:pPr algn="ctr"/>
+            <a:endParaRPr lang="en-US"/>
+          </a:p>
+        </p:txBody>
+      </p:sp>
+      <p:sp>
+        <p:nvSpPr>
+          <p:cNvPr id="16" name="TextBox 15">
+            <a:extLst>
+              <a:ext uri="{FF2B5EF4-FFF2-40B4-BE49-F238E27FC236}">
+                <a16:creationId xmlns:a16="http://schemas.microsoft.com/office/drawing/2014/main" id="{C4597F32-E131-D466-0D91-568C3A15F933}"/>
+              </a:ext>
+            </a:extLst>
+          </p:cNvPr>
+          <p:cNvSpPr txBox="1"/>
+          <p:nvPr/>
+        </p:nvSpPr>
+        <p:spPr>
+          <a:xfrm>
+            <a:off x="5331159" y="2402243"/>
+            <a:ext cx="661033" cy="400110"/>
+          </a:xfrm>
+          <a:prstGeom prst="rect">
+            <a:avLst/>
+          </a:prstGeom>
+          <a:noFill/>
+          <a:ln>
+            <a:noFill/>
+          </a:ln>
+        </p:spPr>
+        <p:txBody>
+          <a:bodyPr wrap="square" rtlCol="0" anchor="ctr">
+            <a:spAutoFit/>
+          </a:bodyPr>
+          <a:lstStyle/>
+          <a:p>
+            <a:pPr algn="ctr"/>
+            <a:r>
+              <a:rPr lang="en-US" sz="2000" b="1" dirty="0">
+                <a:solidFill>
+                  <a:srgbClr val="BC90AB"/>
+                </a:solidFill>
+                <a:latin typeface="Avenir Book" panose="02000503020000020003" pitchFamily="2" charset="0"/>
+              </a:rPr>
+              <a:t>^</a:t>
+            </a:r>
+            <a:endParaRPr lang="en-US" sz="2000" b="1" dirty="0">
+              <a:solidFill>
+                <a:srgbClr val="BC90AB"/>
+              </a:solidFill>
+              <a:latin typeface="Avenir Next Condensed" panose="020B0506020202020204" pitchFamily="34" charset="0"/>
+            </a:endParaRPr>
+          </a:p>
+        </p:txBody>
+      </p:sp>
+      <p:sp>
+        <p:nvSpPr>
+          <p:cNvPr id="17" name="TextBox 16">
+            <a:extLst>
+              <a:ext uri="{FF2B5EF4-FFF2-40B4-BE49-F238E27FC236}">
+                <a16:creationId xmlns:a16="http://schemas.microsoft.com/office/drawing/2014/main" id="{F4336D31-4264-20E7-0372-878DFC7AF90A}"/>
+              </a:ext>
+            </a:extLst>
+          </p:cNvPr>
+          <p:cNvSpPr txBox="1"/>
+          <p:nvPr/>
+        </p:nvSpPr>
+        <p:spPr>
+          <a:xfrm>
+            <a:off x="5751390" y="2163038"/>
+            <a:ext cx="661033" cy="400110"/>
+          </a:xfrm>
+          <a:prstGeom prst="rect">
+            <a:avLst/>
+          </a:prstGeom>
+          <a:noFill/>
+          <a:ln>
+            <a:noFill/>
+          </a:ln>
+        </p:spPr>
+        <p:txBody>
+          <a:bodyPr wrap="square" rtlCol="0" anchor="ctr">
+            <a:spAutoFit/>
+          </a:bodyPr>
+          <a:lstStyle/>
+          <a:p>
+            <a:pPr algn="ctr"/>
+            <a:r>
+              <a:rPr lang="en-US" sz="2000" b="1" dirty="0">
+                <a:solidFill>
+                  <a:srgbClr val="BC90AB"/>
+                </a:solidFill>
+                <a:latin typeface="Avenir Book" panose="02000503020000020003" pitchFamily="2" charset="0"/>
+              </a:rPr>
+              <a:t>^</a:t>
+            </a:r>
+            <a:endParaRPr lang="en-US" sz="2000" b="1" dirty="0">
+              <a:solidFill>
+                <a:srgbClr val="BC90AB"/>
+              </a:solidFill>
+              <a:latin typeface="Avenir Next Condensed" panose="020B0506020202020204" pitchFamily="34" charset="0"/>
+            </a:endParaRPr>
+          </a:p>
+        </p:txBody>
+      </p:sp>
+      <p:sp>
+        <p:nvSpPr>
+          <p:cNvPr id="20" name="Oval 19">
+            <a:extLst>
+              <a:ext uri="{FF2B5EF4-FFF2-40B4-BE49-F238E27FC236}">
+                <a16:creationId xmlns:a16="http://schemas.microsoft.com/office/drawing/2014/main" id="{01CEF112-1B67-F1EA-E6EC-CE9FB9143909}"/>
+              </a:ext>
+            </a:extLst>
+          </p:cNvPr>
+          <p:cNvSpPr>
+            <a:spLocks noChangeAspect="1"/>
+          </p:cNvSpPr>
+          <p:nvPr/>
+        </p:nvSpPr>
+        <p:spPr>
+          <a:xfrm>
+            <a:off x="9386466" y="1165876"/>
+            <a:ext cx="274320" cy="274320"/>
+          </a:xfrm>
+          <a:prstGeom prst="ellipse">
+            <a:avLst/>
+          </a:prstGeom>
+          <a:solidFill>
+            <a:schemeClr val="bg1"/>
+          </a:solidFill>
+          <a:ln w="38100">
+            <a:solidFill>
+              <a:schemeClr val="tx1"/>
+            </a:solidFill>
+          </a:ln>
+        </p:spPr>
+        <p:style>
+          <a:lnRef idx="2">
+            <a:schemeClr val="accent1">
+              <a:shade val="15000"/>
+            </a:schemeClr>
+          </a:lnRef>
+          <a:fillRef idx="1">
+            <a:schemeClr val="accent1"/>
+          </a:fillRef>
+          <a:effectRef idx="0">
+            <a:schemeClr val="accent1"/>
+          </a:effectRef>
+          <a:fontRef idx="minor">
+            <a:schemeClr val="lt1"/>
+          </a:fontRef>
+        </p:style>
+        <p:txBody>
+          <a:bodyPr rtlCol="0" anchor="ctr"/>
+          <a:lstStyle/>
+          <a:p>
+            <a:pPr algn="ctr"/>
+            <a:endParaRPr lang="en-US"/>
+          </a:p>
+        </p:txBody>
+      </p:sp>
+      <p:sp>
+        <p:nvSpPr>
+          <p:cNvPr id="22" name="Oval 21">
+            <a:extLst>
+              <a:ext uri="{FF2B5EF4-FFF2-40B4-BE49-F238E27FC236}">
+                <a16:creationId xmlns:a16="http://schemas.microsoft.com/office/drawing/2014/main" id="{BD2F5DA1-6C77-53D1-D6D1-82657BF49913}"/>
+              </a:ext>
+            </a:extLst>
+          </p:cNvPr>
+          <p:cNvSpPr>
+            <a:spLocks noChangeAspect="1"/>
+          </p:cNvSpPr>
+          <p:nvPr/>
+        </p:nvSpPr>
+        <p:spPr>
+          <a:xfrm>
+            <a:off x="9809454" y="1119526"/>
+            <a:ext cx="274320" cy="274320"/>
+          </a:xfrm>
+          <a:prstGeom prst="ellipse">
+            <a:avLst/>
+          </a:prstGeom>
+          <a:solidFill>
+            <a:schemeClr val="bg1"/>
+          </a:solidFill>
+          <a:ln w="38100">
+            <a:solidFill>
+              <a:schemeClr val="tx1"/>
+            </a:solidFill>
+          </a:ln>
+        </p:spPr>
+        <p:style>
+          <a:lnRef idx="2">
+            <a:schemeClr val="accent1">
+              <a:shade val="15000"/>
+            </a:schemeClr>
+          </a:lnRef>
+          <a:fillRef idx="1">
+            <a:schemeClr val="accent1"/>
+          </a:fillRef>
+          <a:effectRef idx="0">
+            <a:schemeClr val="accent1"/>
+          </a:effectRef>
+          <a:fontRef idx="minor">
+            <a:schemeClr val="lt1"/>
+          </a:fontRef>
+        </p:style>
+        <p:txBody>
+          <a:bodyPr rtlCol="0" anchor="ctr"/>
+          <a:lstStyle/>
+          <a:p>
+            <a:pPr algn="ctr"/>
+            <a:endParaRPr lang="en-US"/>
+          </a:p>
+        </p:txBody>
+      </p:sp>
+      <p:sp>
+        <p:nvSpPr>
+          <p:cNvPr id="14" name="TextBox 13">
+            <a:extLst>
+              <a:ext uri="{FF2B5EF4-FFF2-40B4-BE49-F238E27FC236}">
+                <a16:creationId xmlns:a16="http://schemas.microsoft.com/office/drawing/2014/main" id="{4CA85B26-CD82-25C5-A97F-623539492E50}"/>
+              </a:ext>
+            </a:extLst>
+          </p:cNvPr>
+          <p:cNvSpPr txBox="1"/>
+          <p:nvPr/>
+        </p:nvSpPr>
+        <p:spPr>
+          <a:xfrm>
+            <a:off x="9621848" y="1119526"/>
+            <a:ext cx="661033" cy="400110"/>
+          </a:xfrm>
+          <a:prstGeom prst="rect">
+            <a:avLst/>
+          </a:prstGeom>
+          <a:noFill/>
+          <a:ln>
+            <a:noFill/>
+          </a:ln>
+        </p:spPr>
+        <p:txBody>
+          <a:bodyPr wrap="square" rtlCol="0" anchor="ctr">
+            <a:spAutoFit/>
+          </a:bodyPr>
+          <a:lstStyle/>
+          <a:p>
+            <a:pPr algn="ctr"/>
+            <a:r>
+              <a:rPr lang="en-US" sz="2000" b="1" dirty="0">
+                <a:solidFill>
+                  <a:srgbClr val="553262"/>
+                </a:solidFill>
+                <a:latin typeface="Avenir Book" panose="02000503020000020003" pitchFamily="2" charset="0"/>
+              </a:rPr>
+              <a:t>*</a:t>
+            </a:r>
+            <a:endParaRPr lang="en-US" sz="2000" b="1" dirty="0">
+              <a:solidFill>
+                <a:srgbClr val="553262"/>
+              </a:solidFill>
+              <a:latin typeface="Avenir Next Condensed" panose="020B0506020202020204" pitchFamily="34" charset="0"/>
+            </a:endParaRPr>
+          </a:p>
+        </p:txBody>
+      </p:sp>
+      <p:sp>
+        <p:nvSpPr>
+          <p:cNvPr id="15" name="TextBox 14">
+            <a:extLst>
+              <a:ext uri="{FF2B5EF4-FFF2-40B4-BE49-F238E27FC236}">
+                <a16:creationId xmlns:a16="http://schemas.microsoft.com/office/drawing/2014/main" id="{DF2A0387-6181-A634-5DF4-7D0EB3537CAA}"/>
+              </a:ext>
+            </a:extLst>
+          </p:cNvPr>
+          <p:cNvSpPr txBox="1"/>
+          <p:nvPr/>
+        </p:nvSpPr>
+        <p:spPr>
+          <a:xfrm>
+            <a:off x="9196935" y="1140245"/>
+            <a:ext cx="661033" cy="400110"/>
+          </a:xfrm>
+          <a:prstGeom prst="rect">
+            <a:avLst/>
+          </a:prstGeom>
+          <a:noFill/>
+          <a:ln>
+            <a:noFill/>
+          </a:ln>
+        </p:spPr>
+        <p:txBody>
+          <a:bodyPr wrap="square" rtlCol="0" anchor="ctr">
+            <a:spAutoFit/>
+          </a:bodyPr>
+          <a:lstStyle/>
+          <a:p>
+            <a:pPr algn="ctr"/>
+            <a:r>
+              <a:rPr lang="en-US" sz="2000" b="1" dirty="0">
+                <a:solidFill>
+                  <a:srgbClr val="553262"/>
+                </a:solidFill>
+                <a:latin typeface="Avenir Book" panose="02000503020000020003" pitchFamily="2" charset="0"/>
+              </a:rPr>
+              <a:t>^</a:t>
+            </a:r>
+            <a:endParaRPr lang="en-US" sz="2000" b="1" dirty="0">
+              <a:solidFill>
+                <a:srgbClr val="553262"/>
+              </a:solidFill>
+              <a:latin typeface="Avenir Next Condensed" panose="020B0506020202020204" pitchFamily="34" charset="0"/>
+            </a:endParaRPr>
+          </a:p>
+        </p:txBody>
+      </p:sp>
+      <p:sp>
+        <p:nvSpPr>
+          <p:cNvPr id="25" name="Oval 24">
+            <a:extLst>
+              <a:ext uri="{FF2B5EF4-FFF2-40B4-BE49-F238E27FC236}">
+                <a16:creationId xmlns:a16="http://schemas.microsoft.com/office/drawing/2014/main" id="{0D7BD15F-FE4D-CA42-07B7-2FAD9542DC21}"/>
+              </a:ext>
+            </a:extLst>
+          </p:cNvPr>
+          <p:cNvSpPr>
+            <a:spLocks noChangeAspect="1"/>
+          </p:cNvSpPr>
+          <p:nvPr/>
+        </p:nvSpPr>
+        <p:spPr>
+          <a:xfrm>
+            <a:off x="7445684" y="1851943"/>
+            <a:ext cx="274320" cy="274320"/>
+          </a:xfrm>
+          <a:prstGeom prst="ellipse">
+            <a:avLst/>
+          </a:prstGeom>
+          <a:solidFill>
+            <a:schemeClr val="bg1"/>
+          </a:solidFill>
+          <a:ln w="38100">
+            <a:solidFill>
+              <a:schemeClr val="tx1"/>
+            </a:solidFill>
+          </a:ln>
+        </p:spPr>
+        <p:style>
+          <a:lnRef idx="2">
+            <a:schemeClr val="accent1">
+              <a:shade val="15000"/>
+            </a:schemeClr>
+          </a:lnRef>
+          <a:fillRef idx="1">
+            <a:schemeClr val="accent1"/>
+          </a:fillRef>
+          <a:effectRef idx="0">
+            <a:schemeClr val="accent1"/>
+          </a:effectRef>
+          <a:fontRef idx="minor">
+            <a:schemeClr val="lt1"/>
+          </a:fontRef>
+        </p:style>
+        <p:txBody>
+          <a:bodyPr rtlCol="0" anchor="ctr"/>
+          <a:lstStyle/>
+          <a:p>
+            <a:pPr algn="ctr"/>
+            <a:endParaRPr lang="en-US"/>
+          </a:p>
+        </p:txBody>
+      </p:sp>
+      <p:sp>
+        <p:nvSpPr>
+          <p:cNvPr id="26" name="TextBox 25">
+            <a:extLst>
+              <a:ext uri="{FF2B5EF4-FFF2-40B4-BE49-F238E27FC236}">
+                <a16:creationId xmlns:a16="http://schemas.microsoft.com/office/drawing/2014/main" id="{46A1CE20-AF42-1C52-D342-16049F09E8D0}"/>
+              </a:ext>
+            </a:extLst>
+          </p:cNvPr>
+          <p:cNvSpPr txBox="1"/>
+          <p:nvPr/>
+        </p:nvSpPr>
+        <p:spPr>
+          <a:xfrm>
+            <a:off x="7258383" y="1877711"/>
+            <a:ext cx="661033" cy="215444"/>
+          </a:xfrm>
+          <a:prstGeom prst="rect">
+            <a:avLst/>
+          </a:prstGeom>
+          <a:noFill/>
+          <a:ln>
+            <a:noFill/>
+          </a:ln>
+        </p:spPr>
+        <p:txBody>
+          <a:bodyPr wrap="square" rtlCol="0" anchor="ctr">
+            <a:spAutoFit/>
+          </a:bodyPr>
+          <a:lstStyle/>
+          <a:p>
+            <a:pPr algn="ctr"/>
+            <a:r>
+              <a:rPr lang="en-US" sz="800" b="1" i="1" dirty="0" err="1">
+                <a:solidFill>
+                  <a:srgbClr val="96587D"/>
+                </a:solidFill>
+                <a:latin typeface="Avenir Book" panose="02000503020000020003" pitchFamily="2" charset="0"/>
+              </a:rPr>
+              <a:t>n.s</a:t>
+            </a:r>
+            <a:r>
+              <a:rPr lang="en-US" sz="800" b="1" i="1" dirty="0">
+                <a:solidFill>
+                  <a:srgbClr val="96587D"/>
+                </a:solidFill>
+                <a:latin typeface="Avenir Book" panose="02000503020000020003" pitchFamily="2" charset="0"/>
+              </a:rPr>
+              <a:t>.</a:t>
+            </a:r>
+            <a:endParaRPr lang="en-US" sz="800" b="1" i="1" dirty="0">
+              <a:solidFill>
+                <a:srgbClr val="96587D"/>
+              </a:solidFill>
+              <a:latin typeface="Avenir Next Condensed" panose="020B0506020202020204" pitchFamily="34" charset="0"/>
+            </a:endParaRPr>
+          </a:p>
+        </p:txBody>
+      </p:sp>
+      <p:sp>
+        <p:nvSpPr>
+          <p:cNvPr id="27" name="Oval 26">
+            <a:extLst>
+              <a:ext uri="{FF2B5EF4-FFF2-40B4-BE49-F238E27FC236}">
+                <a16:creationId xmlns:a16="http://schemas.microsoft.com/office/drawing/2014/main" id="{0C83AD8D-53ED-946F-A2FA-2B89C87C03DD}"/>
+              </a:ext>
+            </a:extLst>
+          </p:cNvPr>
+          <p:cNvSpPr>
+            <a:spLocks noChangeAspect="1"/>
+          </p:cNvSpPr>
+          <p:nvPr/>
+        </p:nvSpPr>
+        <p:spPr>
+          <a:xfrm>
+            <a:off x="7881963" y="1794366"/>
+            <a:ext cx="274320" cy="274320"/>
+          </a:xfrm>
+          <a:prstGeom prst="ellipse">
+            <a:avLst/>
+          </a:prstGeom>
+          <a:solidFill>
+            <a:schemeClr val="bg1"/>
+          </a:solidFill>
+          <a:ln w="38100">
+            <a:solidFill>
+              <a:schemeClr val="tx1"/>
+            </a:solidFill>
+          </a:ln>
+        </p:spPr>
+        <p:style>
+          <a:lnRef idx="2">
+            <a:schemeClr val="accent1">
+              <a:shade val="15000"/>
+            </a:schemeClr>
+          </a:lnRef>
+          <a:fillRef idx="1">
+            <a:schemeClr val="accent1"/>
+          </a:fillRef>
+          <a:effectRef idx="0">
+            <a:schemeClr val="accent1"/>
+          </a:effectRef>
+          <a:fontRef idx="minor">
+            <a:schemeClr val="lt1"/>
+          </a:fontRef>
+        </p:style>
+        <p:txBody>
+          <a:bodyPr rtlCol="0" anchor="ctr"/>
+          <a:lstStyle/>
+          <a:p>
+            <a:pPr algn="ctr"/>
+            <a:endParaRPr lang="en-US"/>
+          </a:p>
+        </p:txBody>
+      </p:sp>
+      <p:sp>
+        <p:nvSpPr>
+          <p:cNvPr id="28" name="TextBox 27">
+            <a:extLst>
+              <a:ext uri="{FF2B5EF4-FFF2-40B4-BE49-F238E27FC236}">
+                <a16:creationId xmlns:a16="http://schemas.microsoft.com/office/drawing/2014/main" id="{38B1F2F8-E7FC-66E0-7826-8686F2B92BD6}"/>
+              </a:ext>
+            </a:extLst>
+          </p:cNvPr>
+          <p:cNvSpPr txBox="1"/>
+          <p:nvPr/>
+        </p:nvSpPr>
+        <p:spPr>
+          <a:xfrm>
+            <a:off x="7694662" y="1820134"/>
+            <a:ext cx="661033" cy="215444"/>
+          </a:xfrm>
+          <a:prstGeom prst="rect">
+            <a:avLst/>
+          </a:prstGeom>
+          <a:noFill/>
+          <a:ln>
+            <a:noFill/>
+          </a:ln>
+        </p:spPr>
+        <p:txBody>
+          <a:bodyPr wrap="square" rtlCol="0" anchor="ctr">
+            <a:spAutoFit/>
+          </a:bodyPr>
+          <a:lstStyle/>
+          <a:p>
+            <a:pPr algn="ctr"/>
+            <a:r>
+              <a:rPr lang="en-US" sz="800" b="1" i="1" dirty="0" err="1">
+                <a:solidFill>
+                  <a:srgbClr val="96587D"/>
+                </a:solidFill>
+                <a:latin typeface="Avenir Book" panose="02000503020000020003" pitchFamily="2" charset="0"/>
+              </a:rPr>
+              <a:t>n.s</a:t>
+            </a:r>
+            <a:r>
+              <a:rPr lang="en-US" sz="800" b="1" i="1" dirty="0">
+                <a:solidFill>
+                  <a:srgbClr val="96587D"/>
+                </a:solidFill>
+                <a:latin typeface="Avenir Book" panose="02000503020000020003" pitchFamily="2" charset="0"/>
+              </a:rPr>
+              <a:t>.</a:t>
+            </a:r>
+            <a:endParaRPr lang="en-US" sz="800" b="1" i="1" dirty="0">
+              <a:solidFill>
+                <a:srgbClr val="96587D"/>
+              </a:solidFill>
+              <a:latin typeface="Avenir Next Condensed" panose="020B0506020202020204" pitchFamily="34" charset="0"/>
+            </a:endParaRPr>
+          </a:p>
+        </p:txBody>
+      </p:sp>
     </p:spTree>
     <p:extLst>
       <p:ext uri="{BB962C8B-B14F-4D97-AF65-F5344CB8AC3E}">
-        <p14:creationId xmlns:p14="http://schemas.microsoft.com/office/powerpoint/2010/main" val="1272884035"/>
+        <p14:creationId xmlns:p14="http://schemas.microsoft.com/office/powerpoint/2010/main" val="3671816227"/>
       </p:ext>
     </p:extLst>
   </p:cSld>
@@ -5856,188 +6181,12 @@
           <a:chExt cx="0" cy="0"/>
         </a:xfrm>
       </p:grpSpPr>
-      <p:sp>
-        <p:nvSpPr>
-          <p:cNvPr id="21" name="TextBox 20">
-            <a:extLst>
-              <a:ext uri="{FF2B5EF4-FFF2-40B4-BE49-F238E27FC236}">
-                <a16:creationId xmlns:a16="http://schemas.microsoft.com/office/drawing/2014/main" id="{A08BF620-2489-04DB-D4B1-4BFC926D488A}"/>
-              </a:ext>
-            </a:extLst>
-          </p:cNvPr>
-          <p:cNvSpPr txBox="1"/>
-          <p:nvPr/>
-        </p:nvSpPr>
-        <p:spPr>
-          <a:xfrm>
-            <a:off x="5002159" y="800884"/>
-            <a:ext cx="1655064" cy="584775"/>
-          </a:xfrm>
-          <a:prstGeom prst="rect">
-            <a:avLst/>
-          </a:prstGeom>
-          <a:solidFill>
-            <a:srgbClr val="BE8D00"/>
-          </a:solidFill>
-          <a:ln w="38100">
-            <a:solidFill>
-              <a:schemeClr val="bg1"/>
-            </a:solidFill>
-          </a:ln>
-        </p:spPr>
-        <p:txBody>
-          <a:bodyPr wrap="square" rtlCol="0">
-            <a:spAutoFit/>
-          </a:bodyPr>
-          <a:lstStyle/>
-          <a:p>
-            <a:pPr algn="ctr"/>
-            <a:r>
-              <a:rPr lang="en-US" sz="1600" b="1" dirty="0">
-                <a:solidFill>
-                  <a:schemeClr val="bg1"/>
-                </a:solidFill>
-                <a:latin typeface="Avenir Book" panose="02000503020000020003" pitchFamily="2" charset="0"/>
-              </a:rPr>
-              <a:t>High incentive</a:t>
-            </a:r>
-          </a:p>
-          <a:p>
-            <a:pPr algn="ctr"/>
-            <a:r>
-              <a:rPr lang="en-US" sz="1600" b="1" dirty="0">
-                <a:solidFill>
-                  <a:schemeClr val="bg1"/>
-                </a:solidFill>
-                <a:latin typeface="Avenir Book" panose="02000503020000020003" pitchFamily="2" charset="0"/>
-              </a:rPr>
-              <a:t>(10 cents)</a:t>
-            </a:r>
-            <a:endParaRPr lang="en-US" sz="1600" b="1" dirty="0">
-              <a:solidFill>
-                <a:schemeClr val="bg1"/>
-              </a:solidFill>
-              <a:latin typeface="Avenir Next Condensed" panose="020B0506020202020204" pitchFamily="34" charset="0"/>
-            </a:endParaRPr>
-          </a:p>
-        </p:txBody>
-      </p:sp>
-      <p:sp>
-        <p:nvSpPr>
-          <p:cNvPr id="22" name="TextBox 21">
-            <a:extLst>
-              <a:ext uri="{FF2B5EF4-FFF2-40B4-BE49-F238E27FC236}">
-                <a16:creationId xmlns:a16="http://schemas.microsoft.com/office/drawing/2014/main" id="{F9F7AAD4-BDF5-5018-945D-9690C85A4CB7}"/>
-              </a:ext>
-            </a:extLst>
-          </p:cNvPr>
-          <p:cNvSpPr txBox="1"/>
-          <p:nvPr/>
-        </p:nvSpPr>
-        <p:spPr>
-          <a:xfrm>
-            <a:off x="6647663" y="800884"/>
-            <a:ext cx="1664208" cy="584775"/>
-          </a:xfrm>
-          <a:prstGeom prst="rect">
-            <a:avLst/>
-          </a:prstGeom>
-          <a:solidFill>
-            <a:srgbClr val="A6A6A6"/>
-          </a:solidFill>
-          <a:ln w="38100">
-            <a:solidFill>
-              <a:schemeClr val="bg1"/>
-            </a:solidFill>
-          </a:ln>
-        </p:spPr>
-        <p:txBody>
-          <a:bodyPr wrap="square" rtlCol="0">
-            <a:spAutoFit/>
-          </a:bodyPr>
-          <a:lstStyle/>
-          <a:p>
-            <a:pPr algn="ctr"/>
-            <a:r>
-              <a:rPr lang="en-US" sz="1600" b="1" dirty="0">
-                <a:solidFill>
-                  <a:schemeClr val="bg1"/>
-                </a:solidFill>
-                <a:latin typeface="Avenir Book" panose="02000503020000020003" pitchFamily="2" charset="0"/>
-              </a:rPr>
-              <a:t>Low incentive</a:t>
-            </a:r>
-          </a:p>
-          <a:p>
-            <a:pPr algn="ctr"/>
-            <a:r>
-              <a:rPr lang="en-US" sz="1600" b="1" dirty="0">
-                <a:solidFill>
-                  <a:schemeClr val="bg1"/>
-                </a:solidFill>
-                <a:latin typeface="Avenir Book" panose="02000503020000020003" pitchFamily="2" charset="0"/>
-              </a:rPr>
-              <a:t>(1 cent)</a:t>
-            </a:r>
-            <a:endParaRPr lang="en-US" sz="1600" b="1" dirty="0">
-              <a:solidFill>
-                <a:schemeClr val="bg1"/>
-              </a:solidFill>
-              <a:latin typeface="Avenir Next Condensed" panose="020B0506020202020204" pitchFamily="34" charset="0"/>
-            </a:endParaRPr>
-          </a:p>
-        </p:txBody>
-      </p:sp>
-      <p:sp>
-        <p:nvSpPr>
-          <p:cNvPr id="31" name="TextBox 30">
-            <a:extLst>
-              <a:ext uri="{FF2B5EF4-FFF2-40B4-BE49-F238E27FC236}">
-                <a16:creationId xmlns:a16="http://schemas.microsoft.com/office/drawing/2014/main" id="{2CCAAE6C-BE1E-E0AE-F010-A0AE4E036641}"/>
-              </a:ext>
-            </a:extLst>
-          </p:cNvPr>
-          <p:cNvSpPr txBox="1"/>
-          <p:nvPr/>
-        </p:nvSpPr>
-        <p:spPr>
-          <a:xfrm>
-            <a:off x="5138156" y="346872"/>
-            <a:ext cx="2467762" cy="400110"/>
-          </a:xfrm>
-          <a:prstGeom prst="rect">
-            <a:avLst/>
-          </a:prstGeom>
-          <a:noFill/>
-          <a:ln>
-            <a:noFill/>
-          </a:ln>
-        </p:spPr>
-        <p:txBody>
-          <a:bodyPr wrap="square" rtlCol="0" anchor="ctr">
-            <a:spAutoFit/>
-          </a:bodyPr>
-          <a:lstStyle/>
-          <a:p>
-            <a:pPr algn="ctr"/>
-            <a:r>
-              <a:rPr lang="en-US" sz="2000" b="1" dirty="0">
-                <a:latin typeface="Avenir Book" panose="02000503020000020003" pitchFamily="2" charset="0"/>
-              </a:rPr>
-              <a:t>CUE SCREENS</a:t>
-            </a:r>
-            <a:endParaRPr lang="en-US" sz="2000" b="1" i="1" dirty="0">
-              <a:latin typeface="Avenir Next Condensed" panose="020B0506020202020204" pitchFamily="34" charset="0"/>
-            </a:endParaRPr>
-          </a:p>
-        </p:txBody>
-      </p:sp>
       <p:pic>
         <p:nvPicPr>
-          <p:cNvPr id="24" name="Picture 23" descr="Icon&#10;&#10;Description automatically generated with medium confidence">
-            <a:extLst>
-              <a:ext uri="{FF2B5EF4-FFF2-40B4-BE49-F238E27FC236}">
-                <a16:creationId xmlns:a16="http://schemas.microsoft.com/office/drawing/2014/main" id="{C4B20C4F-92A6-04A6-3038-08A186232BF3}"/>
+          <p:cNvPr id="3" name="Picture 2" descr="A graph of different colored lines&#10;&#10;Description automatically generated">
+            <a:extLst>
+              <a:ext uri="{FF2B5EF4-FFF2-40B4-BE49-F238E27FC236}">
+                <a16:creationId xmlns:a16="http://schemas.microsoft.com/office/drawing/2014/main" id="{22CE96DF-5BC0-5D6C-9D2D-7C8286A33D24}"/>
               </a:ext>
             </a:extLst>
           </p:cNvPr>
@@ -6047,38 +6196,27 @@
           <p:nvPr/>
         </p:nvPicPr>
         <p:blipFill>
-          <a:blip r:embed="rId2" cstate="print">
-            <a:extLst>
-              <a:ext uri="{28A0092B-C50C-407E-A947-70E740481C1C}">
-                <a14:useLocalDpi xmlns:a14="http://schemas.microsoft.com/office/drawing/2010/main" val="0"/>
-              </a:ext>
-            </a:extLst>
-          </a:blip>
+          <a:blip r:embed="rId2"/>
           <a:stretch>
             <a:fillRect/>
           </a:stretch>
         </p:blipFill>
         <p:spPr>
           <a:xfrm>
-            <a:off x="5015363" y="1395284"/>
-            <a:ext cx="1619202" cy="917673"/>
-          </a:xfrm>
-          <a:prstGeom prst="rect">
-            <a:avLst/>
-          </a:prstGeom>
-          <a:ln w="38100">
-            <a:solidFill>
-              <a:schemeClr val="bg1"/>
-            </a:solidFill>
-          </a:ln>
+            <a:off x="1806314" y="378500"/>
+            <a:ext cx="4572000" cy="6400800"/>
+          </a:xfrm>
+          <a:prstGeom prst="rect">
+            <a:avLst/>
+          </a:prstGeom>
         </p:spPr>
       </p:pic>
       <p:pic>
         <p:nvPicPr>
-          <p:cNvPr id="25" name="Picture 24" descr="A picture containing icon&#10;&#10;Description automatically generated">
-            <a:extLst>
-              <a:ext uri="{FF2B5EF4-FFF2-40B4-BE49-F238E27FC236}">
-                <a16:creationId xmlns:a16="http://schemas.microsoft.com/office/drawing/2014/main" id="{A7EC0F5D-1043-C19C-C5B0-0F09DC4C667C}"/>
+          <p:cNvPr id="5" name="Picture 4">
+            <a:extLst>
+              <a:ext uri="{FF2B5EF4-FFF2-40B4-BE49-F238E27FC236}">
+                <a16:creationId xmlns:a16="http://schemas.microsoft.com/office/drawing/2014/main" id="{B4BCDD74-7010-458E-4FD5-061F8F463EE2}"/>
               </a:ext>
             </a:extLst>
           </p:cNvPr>
@@ -6088,120 +6226,26 @@
           <p:nvPr/>
         </p:nvPicPr>
         <p:blipFill>
-          <a:blip r:embed="rId3" cstate="print">
-            <a:extLst>
-              <a:ext uri="{28A0092B-C50C-407E-A947-70E740481C1C}">
-                <a14:useLocalDpi xmlns:a14="http://schemas.microsoft.com/office/drawing/2010/main" val="0"/>
-              </a:ext>
-            </a:extLst>
-          </a:blip>
-          <a:stretch>
-            <a:fillRect/>
-          </a:stretch>
+          <a:blip r:embed="rId3"/>
+          <a:srcRect/>
+          <a:stretch/>
         </p:blipFill>
         <p:spPr>
           <a:xfrm>
-            <a:off x="5013833" y="2335706"/>
-            <a:ext cx="1622262" cy="914400"/>
-          </a:xfrm>
-          <a:prstGeom prst="rect">
-            <a:avLst/>
-          </a:prstGeom>
-          <a:ln w="38100">
-            <a:solidFill>
-              <a:schemeClr val="bg1"/>
-            </a:solidFill>
-          </a:ln>
+            <a:off x="6378314" y="378500"/>
+            <a:ext cx="6400800" cy="6400800"/>
+          </a:xfrm>
+          <a:prstGeom prst="rect">
+            <a:avLst/>
+          </a:prstGeom>
         </p:spPr>
       </p:pic>
-      <p:pic>
-        <p:nvPicPr>
-          <p:cNvPr id="26" name="Picture 25" descr="Icon&#10;&#10;Description automatically generated">
-            <a:extLst>
-              <a:ext uri="{FF2B5EF4-FFF2-40B4-BE49-F238E27FC236}">
-                <a16:creationId xmlns:a16="http://schemas.microsoft.com/office/drawing/2014/main" id="{58B9B55C-52E5-5A63-93B9-95AC62B876E7}"/>
-              </a:ext>
-            </a:extLst>
-          </p:cNvPr>
-          <p:cNvPicPr>
-            <a:picLocks noChangeAspect="1"/>
-          </p:cNvPicPr>
-          <p:nvPr/>
-        </p:nvPicPr>
-        <p:blipFill>
-          <a:blip r:embed="rId4" cstate="print">
-            <a:extLst>
-              <a:ext uri="{28A0092B-C50C-407E-A947-70E740481C1C}">
-                <a14:useLocalDpi xmlns:a14="http://schemas.microsoft.com/office/drawing/2010/main" val="0"/>
-              </a:ext>
-            </a:extLst>
-          </a:blip>
-          <a:stretch>
-            <a:fillRect/>
-          </a:stretch>
-        </p:blipFill>
-        <p:spPr>
-          <a:xfrm>
-            <a:off x="6668189" y="1385610"/>
-            <a:ext cx="1628951" cy="914400"/>
-          </a:xfrm>
-          <a:prstGeom prst="rect">
-            <a:avLst/>
-          </a:prstGeom>
-          <a:ln w="38100">
-            <a:solidFill>
-              <a:schemeClr val="bg1"/>
-            </a:solidFill>
-          </a:ln>
-        </p:spPr>
-      </p:pic>
-      <p:pic>
-        <p:nvPicPr>
-          <p:cNvPr id="27" name="Picture 26" descr="Icon&#10;&#10;Description automatically generated">
-            <a:extLst>
-              <a:ext uri="{FF2B5EF4-FFF2-40B4-BE49-F238E27FC236}">
-                <a16:creationId xmlns:a16="http://schemas.microsoft.com/office/drawing/2014/main" id="{0BB7AE6F-770C-574B-59F5-8B6C410F1B81}"/>
-              </a:ext>
-            </a:extLst>
-          </p:cNvPr>
-          <p:cNvPicPr>
-            <a:picLocks noChangeAspect="1"/>
-          </p:cNvPicPr>
-          <p:nvPr/>
-        </p:nvPicPr>
-        <p:blipFill>
-          <a:blip r:embed="rId5" cstate="print">
-            <a:extLst>
-              <a:ext uri="{28A0092B-C50C-407E-A947-70E740481C1C}">
-                <a14:useLocalDpi xmlns:a14="http://schemas.microsoft.com/office/drawing/2010/main" val="0"/>
-              </a:ext>
-            </a:extLst>
-          </a:blip>
-          <a:stretch>
-            <a:fillRect/>
-          </a:stretch>
-        </p:blipFill>
-        <p:spPr>
-          <a:xfrm>
-            <a:off x="6674878" y="2335706"/>
-            <a:ext cx="1622262" cy="914400"/>
-          </a:xfrm>
-          <a:prstGeom prst="rect">
-            <a:avLst/>
-          </a:prstGeom>
-          <a:ln w="38100">
-            <a:solidFill>
-              <a:schemeClr val="bg1"/>
-            </a:solidFill>
-          </a:ln>
-        </p:spPr>
-      </p:pic>
-      <p:sp>
-        <p:nvSpPr>
-          <p:cNvPr id="29" name="TextBox 28">
-            <a:extLst>
-              <a:ext uri="{FF2B5EF4-FFF2-40B4-BE49-F238E27FC236}">
-                <a16:creationId xmlns:a16="http://schemas.microsoft.com/office/drawing/2014/main" id="{5B6A51E1-4C8A-B7F0-4CBE-EB7050D8C376}"/>
+      <p:sp>
+        <p:nvSpPr>
+          <p:cNvPr id="8" name="TextBox 7">
+            <a:extLst>
+              <a:ext uri="{FF2B5EF4-FFF2-40B4-BE49-F238E27FC236}">
+                <a16:creationId xmlns:a16="http://schemas.microsoft.com/office/drawing/2014/main" id="{1E03811B-B8C8-7B9F-EBBD-E7AF9DE792BE}"/>
               </a:ext>
             </a:extLst>
           </p:cNvPr>
@@ -6209,47 +6253,36 @@
           <p:nvPr/>
         </p:nvSpPr>
         <p:spPr>
-          <a:xfrm rot="16200000">
-            <a:off x="4239599" y="1555797"/>
-            <a:ext cx="932688" cy="585216"/>
-          </a:xfrm>
-          <a:prstGeom prst="rect">
-            <a:avLst/>
-          </a:prstGeom>
-          <a:solidFill>
-            <a:srgbClr val="2F4B26"/>
-          </a:solidFill>
-          <a:ln w="38100">
-            <a:solidFill>
-              <a:schemeClr val="bg1"/>
-            </a:solidFill>
-          </a:ln>
-        </p:spPr>
-        <p:txBody>
-          <a:bodyPr wrap="square" rtlCol="0" anchor="ctr">
+          <a:xfrm>
+            <a:off x="1806315" y="120371"/>
+            <a:ext cx="494046" cy="461665"/>
+          </a:xfrm>
+          <a:prstGeom prst="rect">
+            <a:avLst/>
+          </a:prstGeom>
+          <a:noFill/>
+        </p:spPr>
+        <p:txBody>
+          <a:bodyPr wrap="none" rtlCol="0">
             <a:spAutoFit/>
           </a:bodyPr>
           <a:lstStyle/>
           <a:p>
-            <a:pPr algn="ctr"/>
-            <a:r>
-              <a:rPr lang="en-US" sz="1600" b="1" dirty="0">
-                <a:solidFill>
-                  <a:schemeClr val="bg1"/>
-                </a:solidFill>
+            <a:r>
+              <a:rPr lang="en-US" sz="2400" b="1" dirty="0">
                 <a:latin typeface="Avenir Book" panose="02000503020000020003" pitchFamily="2" charset="0"/>
               </a:rPr>
-              <a:t>Easy</a:t>
-            </a:r>
-          </a:p>
-        </p:txBody>
-      </p:sp>
-      <p:sp>
-        <p:nvSpPr>
-          <p:cNvPr id="34" name="TextBox 33">
-            <a:extLst>
-              <a:ext uri="{FF2B5EF4-FFF2-40B4-BE49-F238E27FC236}">
-                <a16:creationId xmlns:a16="http://schemas.microsoft.com/office/drawing/2014/main" id="{1D1BF034-9D9C-9EAE-A670-AB660E7A3F2F}"/>
+              <a:t>A.</a:t>
+            </a:r>
+          </a:p>
+        </p:txBody>
+      </p:sp>
+      <p:sp>
+        <p:nvSpPr>
+          <p:cNvPr id="10" name="TextBox 9">
+            <a:extLst>
+              <a:ext uri="{FF2B5EF4-FFF2-40B4-BE49-F238E27FC236}">
+                <a16:creationId xmlns:a16="http://schemas.microsoft.com/office/drawing/2014/main" id="{66A56D52-2C92-FCAB-6BF9-D52DF77FD176}"/>
               </a:ext>
             </a:extLst>
           </p:cNvPr>
@@ -6257,97 +6290,34 @@
           <p:nvPr/>
         </p:nvSpPr>
         <p:spPr>
-          <a:xfrm rot="16200000">
-            <a:off x="4230455" y="2502242"/>
-            <a:ext cx="950976" cy="585216"/>
-          </a:xfrm>
-          <a:prstGeom prst="rect">
-            <a:avLst/>
-          </a:prstGeom>
-          <a:solidFill>
-            <a:srgbClr val="026C7C"/>
-          </a:solidFill>
-          <a:ln w="38100">
-            <a:solidFill>
-              <a:schemeClr val="bg1"/>
-            </a:solidFill>
-          </a:ln>
-        </p:spPr>
-        <p:txBody>
-          <a:bodyPr wrap="square" rtlCol="0" anchor="ctr">
+          <a:xfrm>
+            <a:off x="6359104" y="120370"/>
+            <a:ext cx="476412" cy="461665"/>
+          </a:xfrm>
+          <a:prstGeom prst="rect">
+            <a:avLst/>
+          </a:prstGeom>
+          <a:noFill/>
+        </p:spPr>
+        <p:txBody>
+          <a:bodyPr wrap="none" rtlCol="0">
             <a:spAutoFit/>
           </a:bodyPr>
           <a:lstStyle/>
           <a:p>
-            <a:pPr algn="ctr"/>
-            <a:r>
-              <a:rPr lang="en-US" sz="1600" b="1" dirty="0">
-                <a:solidFill>
-                  <a:schemeClr val="bg1"/>
-                </a:solidFill>
+            <a:r>
+              <a:rPr lang="en-US" sz="2400" b="1" dirty="0">
                 <a:latin typeface="Avenir Book" panose="02000503020000020003" pitchFamily="2" charset="0"/>
               </a:rPr>
-              <a:t>Hard</a:t>
-            </a:r>
-          </a:p>
-        </p:txBody>
-      </p:sp>
-      <p:sp>
-        <p:nvSpPr>
-          <p:cNvPr id="35" name="Rectangle 34">
-            <a:extLst>
-              <a:ext uri="{FF2B5EF4-FFF2-40B4-BE49-F238E27FC236}">
-                <a16:creationId xmlns:a16="http://schemas.microsoft.com/office/drawing/2014/main" id="{D07CFCB5-ADFA-83AD-36EF-C92733359AC3}"/>
-              </a:ext>
-            </a:extLst>
-          </p:cNvPr>
-          <p:cNvSpPr/>
-          <p:nvPr/>
-        </p:nvSpPr>
-        <p:spPr>
-          <a:xfrm>
-            <a:off x="4326036" y="704790"/>
-            <a:ext cx="4075628" cy="2667195"/>
-          </a:xfrm>
-          <a:prstGeom prst="rect">
-            <a:avLst/>
-          </a:prstGeom>
-          <a:noFill/>
-          <a:ln w="38100">
-            <a:solidFill>
-              <a:schemeClr val="tx1"/>
-            </a:solidFill>
-          </a:ln>
-        </p:spPr>
-        <p:style>
-          <a:lnRef idx="2">
-            <a:schemeClr val="accent1">
-              <a:shade val="15000"/>
-            </a:schemeClr>
-          </a:lnRef>
-          <a:fillRef idx="1">
-            <a:schemeClr val="accent1"/>
-          </a:fillRef>
-          <a:effectRef idx="0">
-            <a:schemeClr val="accent1"/>
-          </a:effectRef>
-          <a:fontRef idx="minor">
-            <a:schemeClr val="lt1"/>
-          </a:fontRef>
-        </p:style>
-        <p:txBody>
-          <a:bodyPr rtlCol="0" anchor="ctr"/>
-          <a:lstStyle/>
-          <a:p>
-            <a:pPr algn="ctr"/>
-            <a:endParaRPr lang="en-US"/>
+              <a:t>B.</a:t>
+            </a:r>
           </a:p>
         </p:txBody>
       </p:sp>
     </p:spTree>
     <p:extLst>
       <p:ext uri="{BB962C8B-B14F-4D97-AF65-F5344CB8AC3E}">
-        <p14:creationId xmlns:p14="http://schemas.microsoft.com/office/powerpoint/2010/main" val="3195072192"/>
+        <p14:creationId xmlns:p14="http://schemas.microsoft.com/office/powerpoint/2010/main" val="1272884035"/>
       </p:ext>
     </p:extLst>
   </p:cSld>
